--- a/com.js.ens.leveller/UI Desing 회의 내용20160804.pptx
+++ b/com.js.ens.leveller/UI Desing 회의 내용20160804.pptx
@@ -18,6 +18,7 @@
     <p:sldId id="268" r:id="rId12"/>
     <p:sldId id="269" r:id="rId13"/>
     <p:sldId id="259" r:id="rId14"/>
+    <p:sldId id="270" r:id="rId15"/>
   </p:sldIdLst>
   <p:sldSz cx="9144000" cy="6858000" type="screen4x3"/>
   <p:notesSz cx="6867525" cy="9994900"/>
@@ -118,7 +119,7 @@
   </p:defaultTextStyle>
   <p:extLst>
     <p:ext uri="{EFAFB233-063F-42B5-8137-9DF3F51BA10A}">
-      <p15:sldGuideLst xmlns:p15="http://schemas.microsoft.com/office/powerpoint/2012/main">
+      <p15:sldGuideLst xmlns:p15="http://schemas.microsoft.com/office/powerpoint/2012/main" xmlns="">
         <p15:guide id="1" orient="horz" pos="2137" userDrawn="1">
           <p15:clr>
             <a:srgbClr val="A4A3A4"/>
@@ -1934,7 +1935,7 @@
           <a:blip r:embed="rId2" cstate="print">
             <a:extLst>
               <a:ext uri="{28A0092B-C50C-407E-A947-70E740481C1C}">
-                <a14:useLocalDpi xmlns:a14="http://schemas.microsoft.com/office/drawing/2010/main" val="0"/>
+                <a14:useLocalDpi xmlns:a14="http://schemas.microsoft.com/office/drawing/2010/main" xmlns="" val="0"/>
               </a:ext>
             </a:extLst>
           </a:blip>
@@ -2000,7 +2001,7 @@
     </p:spTree>
     <p:extLst>
       <p:ext uri="{BB962C8B-B14F-4D97-AF65-F5344CB8AC3E}">
-        <p14:creationId xmlns:p14="http://schemas.microsoft.com/office/powerpoint/2010/main" val="2651165963"/>
+        <p14:creationId xmlns:p14="http://schemas.microsoft.com/office/powerpoint/2010/main" xmlns="" val="2651165963"/>
       </p:ext>
     </p:extLst>
   </p:cSld>
@@ -2209,7 +2210,7 @@
           <a:blip r:embed="rId3" cstate="print">
             <a:extLst>
               <a:ext uri="{28A0092B-C50C-407E-A947-70E740481C1C}">
-                <a14:useLocalDpi xmlns:a14="http://schemas.microsoft.com/office/drawing/2010/main" val="0"/>
+                <a14:useLocalDpi xmlns:a14="http://schemas.microsoft.com/office/drawing/2010/main" xmlns="" val="0"/>
               </a:ext>
             </a:extLst>
           </a:blip>
@@ -2323,7 +2324,7 @@
     </p:spTree>
     <p:extLst>
       <p:ext uri="{BB962C8B-B14F-4D97-AF65-F5344CB8AC3E}">
-        <p14:creationId xmlns:p14="http://schemas.microsoft.com/office/powerpoint/2010/main" val="1645228382"/>
+        <p14:creationId xmlns:p14="http://schemas.microsoft.com/office/powerpoint/2010/main" xmlns="" val="1645228382"/>
       </p:ext>
     </p:extLst>
   </p:cSld>
@@ -2584,7 +2585,7 @@
           <a:blip r:embed="rId2" cstate="print">
             <a:extLst>
               <a:ext uri="{28A0092B-C50C-407E-A947-70E740481C1C}">
-                <a14:useLocalDpi xmlns:a14="http://schemas.microsoft.com/office/drawing/2010/main" val="0"/>
+                <a14:useLocalDpi xmlns:a14="http://schemas.microsoft.com/office/drawing/2010/main" xmlns="" val="0"/>
               </a:ext>
             </a:extLst>
           </a:blip>
@@ -2750,7 +2751,7 @@
     </p:spTree>
     <p:extLst>
       <p:ext uri="{BB962C8B-B14F-4D97-AF65-F5344CB8AC3E}">
-        <p14:creationId xmlns:p14="http://schemas.microsoft.com/office/powerpoint/2010/main" val="1883167788"/>
+        <p14:creationId xmlns:p14="http://schemas.microsoft.com/office/powerpoint/2010/main" xmlns="" val="1883167788"/>
       </p:ext>
     </p:extLst>
   </p:cSld>
@@ -2898,7 +2899,8 @@
           <a:p>
             <a:fld id="{18C51283-86D4-4EC1-8393-6FFCD6378B43}" type="datetimeFigureOut">
               <a:rPr lang="ko-KR" altLang="en-US" smtClean="0"/>
-              <a:t>2016-08-04</a:t>
+              <a:pPr/>
+              <a:t>2016-08-06</a:t>
             </a:fld>
             <a:endParaRPr lang="ko-KR" altLang="en-US"/>
           </a:p>
@@ -2940,6 +2942,7 @@
           <a:p>
             <a:fld id="{79CC1EBF-8AF2-4B95-85B1-258E06994D1C}" type="slidenum">
               <a:rPr lang="ko-KR" altLang="en-US" smtClean="0"/>
+              <a:pPr/>
               <a:t>‹#›</a:t>
             </a:fld>
             <a:endParaRPr lang="ko-KR" altLang="en-US"/>
@@ -2949,7 +2952,7 @@
     </p:spTree>
     <p:extLst>
       <p:ext uri="{BB962C8B-B14F-4D97-AF65-F5344CB8AC3E}">
-        <p14:creationId xmlns:p14="http://schemas.microsoft.com/office/powerpoint/2010/main" val="3257304213"/>
+        <p14:creationId xmlns:p14="http://schemas.microsoft.com/office/powerpoint/2010/main" xmlns="" val="3257304213"/>
       </p:ext>
     </p:extLst>
   </p:cSld>
@@ -4688,7 +4691,8 @@
           <a:p>
             <a:fld id="{18C51283-86D4-4EC1-8393-6FFCD6378B43}" type="datetimeFigureOut">
               <a:rPr lang="ko-KR" altLang="en-US" smtClean="0"/>
-              <a:t>2016-08-04</a:t>
+              <a:pPr/>
+              <a:t>2016-08-06</a:t>
             </a:fld>
             <a:endParaRPr lang="ko-KR" altLang="en-US"/>
           </a:p>
@@ -4766,6 +4770,7 @@
           <a:p>
             <a:fld id="{79CC1EBF-8AF2-4B95-85B1-258E06994D1C}" type="slidenum">
               <a:rPr lang="ko-KR" altLang="en-US" smtClean="0"/>
+              <a:pPr/>
               <a:t>‹#›</a:t>
             </a:fld>
             <a:endParaRPr lang="ko-KR" altLang="en-US"/>
@@ -4837,7 +4842,7 @@
     </p:spTree>
     <p:extLst>
       <p:ext uri="{BB962C8B-B14F-4D97-AF65-F5344CB8AC3E}">
-        <p14:creationId xmlns:p14="http://schemas.microsoft.com/office/powerpoint/2010/main" val="3855555480"/>
+        <p14:creationId xmlns:p14="http://schemas.microsoft.com/office/powerpoint/2010/main" xmlns="" val="3855555480"/>
       </p:ext>
     </p:extLst>
   </p:cSld>
@@ -5233,7 +5238,7 @@
     </p:spTree>
     <p:extLst>
       <p:ext uri="{BB962C8B-B14F-4D97-AF65-F5344CB8AC3E}">
-        <p14:creationId xmlns:p14="http://schemas.microsoft.com/office/powerpoint/2010/main" val="1687115274"/>
+        <p14:creationId xmlns:p14="http://schemas.microsoft.com/office/powerpoint/2010/main" xmlns="" val="1687115274"/>
       </p:ext>
     </p:extLst>
   </p:cSld>
@@ -5323,7 +5328,7 @@
           <p:nvPr/>
         </p:nvPicPr>
         <p:blipFill>
-          <a:blip r:embed="rId2"/>
+          <a:blip r:embed="rId2" cstate="print"/>
           <a:stretch>
             <a:fillRect/>
           </a:stretch>
@@ -5714,7 +5719,7 @@
     </p:spTree>
     <p:extLst>
       <p:ext uri="{BB962C8B-B14F-4D97-AF65-F5344CB8AC3E}">
-        <p14:creationId xmlns:p14="http://schemas.microsoft.com/office/powerpoint/2010/main" val="1111194780"/>
+        <p14:creationId xmlns:p14="http://schemas.microsoft.com/office/powerpoint/2010/main" xmlns="" val="1111194780"/>
       </p:ext>
     </p:extLst>
   </p:cSld>
@@ -5750,7 +5755,7 @@
           <p:nvPr/>
         </p:nvPicPr>
         <p:blipFill>
-          <a:blip r:embed="rId2"/>
+          <a:blip r:embed="rId2" cstate="print"/>
           <a:stretch>
             <a:fillRect/>
           </a:stretch>
@@ -6300,7 +6305,7 @@
           <p:nvPr>
             <p:extLst>
               <p:ext uri="{D42A27DB-BD31-4B8C-83A1-F6EECF244321}">
-                <p14:modId xmlns:p14="http://schemas.microsoft.com/office/powerpoint/2010/main" val="448402895"/>
+                <p14:modId xmlns:p14="http://schemas.microsoft.com/office/powerpoint/2010/main" xmlns="" val="448402895"/>
               </p:ext>
             </p:extLst>
           </p:nvPr>
@@ -6858,7 +6863,7 @@
     </p:spTree>
     <p:extLst>
       <p:ext uri="{BB962C8B-B14F-4D97-AF65-F5344CB8AC3E}">
-        <p14:creationId xmlns:p14="http://schemas.microsoft.com/office/powerpoint/2010/main" val="1669317170"/>
+        <p14:creationId xmlns:p14="http://schemas.microsoft.com/office/powerpoint/2010/main" xmlns="" val="1669317170"/>
       </p:ext>
     </p:extLst>
   </p:cSld>
@@ -6894,7 +6899,7 @@
           <p:nvPr/>
         </p:nvPicPr>
         <p:blipFill>
-          <a:blip r:embed="rId2"/>
+          <a:blip r:embed="rId2" cstate="print"/>
           <a:stretch>
             <a:fillRect/>
           </a:stretch>
@@ -7281,7 +7286,7 @@
           <p:nvPr>
             <p:extLst>
               <p:ext uri="{D42A27DB-BD31-4B8C-83A1-F6EECF244321}">
-                <p14:modId xmlns:p14="http://schemas.microsoft.com/office/powerpoint/2010/main" val="389659262"/>
+                <p14:modId xmlns:p14="http://schemas.microsoft.com/office/powerpoint/2010/main" xmlns="" val="389659262"/>
               </p:ext>
             </p:extLst>
           </p:nvPr>
@@ -7960,7 +7965,7 @@
     </p:spTree>
     <p:extLst>
       <p:ext uri="{BB962C8B-B14F-4D97-AF65-F5344CB8AC3E}">
-        <p14:creationId xmlns:p14="http://schemas.microsoft.com/office/powerpoint/2010/main" val="1764633134"/>
+        <p14:creationId xmlns:p14="http://schemas.microsoft.com/office/powerpoint/2010/main" xmlns="" val="1764633134"/>
       </p:ext>
     </p:extLst>
   </p:cSld>
@@ -9270,9 +9275,242 @@
     </p:spTree>
     <p:extLst>
       <p:ext uri="{BB962C8B-B14F-4D97-AF65-F5344CB8AC3E}">
-        <p14:creationId xmlns:p14="http://schemas.microsoft.com/office/powerpoint/2010/main" val="2619127201"/>
+        <p14:creationId xmlns:p14="http://schemas.microsoft.com/office/powerpoint/2010/main" xmlns="" val="2619127201"/>
       </p:ext>
     </p:extLst>
+  </p:cSld>
+  <p:clrMapOvr>
+    <a:masterClrMapping/>
+  </p:clrMapOvr>
+</p:sld>
+</file>
+
+<file path=ppt/slides/slide14.xml><?xml version="1.0" encoding="utf-8"?>
+<p:sld xmlns:a="http://schemas.openxmlformats.org/drawingml/2006/main" xmlns:r="http://schemas.openxmlformats.org/officeDocument/2006/relationships" xmlns:p="http://schemas.openxmlformats.org/presentationml/2006/main">
+  <p:cSld>
+    <p:spTree>
+      <p:nvGrpSpPr>
+        <p:cNvPr id="1" name=""/>
+        <p:cNvGrpSpPr/>
+        <p:nvPr/>
+      </p:nvGrpSpPr>
+      <p:grpSpPr>
+        <a:xfrm>
+          <a:off x="0" y="0"/>
+          <a:ext cx="0" cy="0"/>
+          <a:chOff x="0" y="0"/>
+          <a:chExt cx="0" cy="0"/>
+        </a:xfrm>
+      </p:grpSpPr>
+      <p:sp>
+        <p:nvSpPr>
+          <p:cNvPr id="2" name="텍스트 개체 틀 1"/>
+          <p:cNvSpPr>
+            <a:spLocks noGrp="1"/>
+          </p:cNvSpPr>
+          <p:nvPr>
+            <p:ph type="body" sz="half" idx="2"/>
+          </p:nvPr>
+        </p:nvSpPr>
+        <p:spPr/>
+        <p:txBody>
+          <a:bodyPr/>
+          <a:lstStyle/>
+          <a:p>
+            <a:r>
+              <a:rPr lang="en-US" altLang="ko-KR" dirty="0" smtClean="0"/>
+              <a:t>Roll Crown </a:t>
+            </a:r>
+            <a:r>
+              <a:rPr lang="ko-KR" altLang="en-US" dirty="0" smtClean="0"/>
+              <a:t>을 </a:t>
+            </a:r>
+            <a:r>
+              <a:rPr lang="en-US" altLang="ko-KR" dirty="0" smtClean="0"/>
+              <a:t>upper / lower </a:t>
+            </a:r>
+            <a:r>
+              <a:rPr lang="ko-KR" altLang="en-US" dirty="0" smtClean="0"/>
+              <a:t>둘로 </a:t>
+            </a:r>
+            <a:r>
+              <a:rPr lang="ko-KR" altLang="en-US" dirty="0" err="1" smtClean="0"/>
+              <a:t>나눴을경우</a:t>
+            </a:r>
+            <a:r>
+              <a:rPr lang="ko-KR" altLang="en-US" dirty="0" smtClean="0"/>
+              <a:t> </a:t>
+            </a:r>
+            <a:endParaRPr lang="en-US" altLang="ko-KR" dirty="0" smtClean="0"/>
+          </a:p>
+          <a:p>
+            <a:r>
+              <a:rPr lang="en-US" altLang="ko-KR" dirty="0" smtClean="0"/>
+              <a:t>A4_contact.proc </a:t>
+            </a:r>
+            <a:r>
+              <a:rPr lang="ko-KR" altLang="en-US" dirty="0" smtClean="0"/>
+              <a:t>안에서 </a:t>
+            </a:r>
+            <a:r>
+              <a:rPr lang="en-US" altLang="ko-KR" dirty="0" smtClean="0"/>
+              <a:t>Roll Crown </a:t>
+            </a:r>
+            <a:r>
+              <a:rPr lang="ko-KR" altLang="en-US" dirty="0" smtClean="0"/>
+              <a:t>값의</a:t>
+            </a:r>
+            <a:r>
+              <a:rPr lang="en-US" altLang="ko-KR" dirty="0" smtClean="0"/>
+              <a:t> </a:t>
+            </a:r>
+            <a:r>
+              <a:rPr lang="ko-KR" altLang="en-US" dirty="0" smtClean="0"/>
+              <a:t>크기에 따라 </a:t>
+            </a:r>
+            <a:endParaRPr lang="en-US" altLang="ko-KR" dirty="0" smtClean="0"/>
+          </a:p>
+          <a:p>
+            <a:r>
+              <a:rPr lang="en-US" altLang="ko-KR" dirty="0" smtClean="0"/>
+              <a:t>0 </a:t>
+            </a:r>
+            <a:r>
+              <a:rPr lang="ko-KR" altLang="en-US" dirty="0" smtClean="0"/>
+              <a:t>보다 클 경우 </a:t>
+            </a:r>
+            <a:r>
+              <a:rPr lang="en-US" altLang="ko-KR" dirty="0" smtClean="0"/>
+              <a:t>flip surface </a:t>
+            </a:r>
+            <a:r>
+              <a:rPr lang="en-US" altLang="ko-KR" dirty="0" err="1" smtClean="0"/>
+              <a:t>positiveNum</a:t>
+            </a:r>
+            <a:r>
+              <a:rPr lang="en-US" altLang="ko-KR" dirty="0" smtClean="0"/>
+              <a:t> </a:t>
+            </a:r>
+            <a:r>
+              <a:rPr lang="ko-KR" altLang="en-US" dirty="0" smtClean="0"/>
+              <a:t>사용</a:t>
+            </a:r>
+            <a:endParaRPr lang="en-US" altLang="ko-KR" dirty="0" smtClean="0"/>
+          </a:p>
+          <a:p>
+            <a:r>
+              <a:rPr lang="en-US" altLang="ko-KR" dirty="0" smtClean="0"/>
+              <a:t>0 </a:t>
+            </a:r>
+            <a:r>
+              <a:rPr lang="ko-KR" altLang="en-US" dirty="0" smtClean="0"/>
+              <a:t>보다 작을 경우 </a:t>
+            </a:r>
+            <a:r>
+              <a:rPr lang="en-US" altLang="ko-KR" dirty="0" smtClean="0"/>
+              <a:t>flip surfaces </a:t>
+            </a:r>
+            <a:r>
+              <a:rPr lang="ko-KR" altLang="en-US" dirty="0" smtClean="0"/>
+              <a:t>값을 사용 하는데 </a:t>
+            </a:r>
+            <a:endParaRPr lang="en-US" altLang="ko-KR" dirty="0" smtClean="0"/>
+          </a:p>
+          <a:p>
+            <a:endParaRPr lang="en-US" altLang="ko-KR" dirty="0" smtClean="0"/>
+          </a:p>
+          <a:p>
+            <a:r>
+              <a:rPr lang="ko-KR" altLang="en-US" dirty="0" err="1" smtClean="0"/>
+              <a:t>이부분이</a:t>
+            </a:r>
+            <a:r>
+              <a:rPr lang="ko-KR" altLang="en-US" dirty="0" smtClean="0"/>
+              <a:t> 수정 되여야 함 </a:t>
+            </a:r>
+            <a:endParaRPr lang="en-US" altLang="ko-KR" dirty="0" smtClean="0"/>
+          </a:p>
+          <a:p>
+            <a:pPr>
+              <a:buFont typeface="Symbol"/>
+              <a:buChar char="Þ"/>
+            </a:pPr>
+            <a:r>
+              <a:rPr lang="en-US" altLang="ko-KR" dirty="0" smtClean="0"/>
+              <a:t>Proc </a:t>
+            </a:r>
+            <a:r>
+              <a:rPr lang="ko-KR" altLang="en-US" dirty="0" smtClean="0"/>
+              <a:t>를 </a:t>
+            </a:r>
+            <a:r>
+              <a:rPr lang="ko-KR" altLang="en-US" dirty="0" err="1" smtClean="0"/>
+              <a:t>파싱하는</a:t>
+            </a:r>
+            <a:r>
+              <a:rPr lang="ko-KR" altLang="en-US" dirty="0" smtClean="0"/>
+              <a:t> </a:t>
+            </a:r>
+            <a:r>
+              <a:rPr lang="ko-KR" altLang="en-US" dirty="0" err="1" smtClean="0"/>
+              <a:t>프로시져임</a:t>
+            </a:r>
+            <a:r>
+              <a:rPr lang="en-US" altLang="ko-KR" dirty="0" smtClean="0"/>
+              <a:t>!!!!</a:t>
+            </a:r>
+            <a:br>
+              <a:rPr lang="en-US" altLang="ko-KR" dirty="0" smtClean="0"/>
+            </a:br>
+            <a:r>
+              <a:rPr lang="ko-KR" altLang="en-US" dirty="0" smtClean="0"/>
+              <a:t>현재는 </a:t>
+            </a:r>
+            <a:r>
+              <a:rPr lang="en-US" altLang="ko-KR" dirty="0" smtClean="0"/>
+              <a:t>0</a:t>
+            </a:r>
+            <a:r>
+              <a:rPr lang="ko-KR" altLang="en-US" dirty="0" smtClean="0"/>
+              <a:t>보다 클때 항목을 쓰고 있음</a:t>
+            </a:r>
+            <a:r>
+              <a:rPr lang="en-US" altLang="ko-KR" dirty="0" smtClean="0"/>
+              <a:t>!!!!!!!!!!!!!!</a:t>
+            </a:r>
+          </a:p>
+          <a:p>
+            <a:pPr>
+              <a:buFont typeface="Symbol"/>
+              <a:buChar char="Þ"/>
+            </a:pPr>
+            <a:endParaRPr lang="en-US" altLang="ko-KR" dirty="0" smtClean="0"/>
+          </a:p>
+          <a:p>
+            <a:endParaRPr lang="ko-KR" altLang="en-US" dirty="0"/>
+          </a:p>
+        </p:txBody>
+      </p:sp>
+      <p:sp>
+        <p:nvSpPr>
+          <p:cNvPr id="3" name="제목 2"/>
+          <p:cNvSpPr>
+            <a:spLocks noGrp="1"/>
+          </p:cNvSpPr>
+          <p:nvPr>
+            <p:ph type="title"/>
+          </p:nvPr>
+        </p:nvSpPr>
+        <p:spPr/>
+        <p:txBody>
+          <a:bodyPr/>
+          <a:lstStyle/>
+          <a:p>
+            <a:endParaRPr lang="ko-KR" altLang="en-US"/>
+          </a:p>
+        </p:txBody>
+      </p:sp>
+    </p:spTree>
   </p:cSld>
   <p:clrMapOvr>
     <a:masterClrMapping/>
@@ -9516,7 +9754,7 @@
           <p:nvPr/>
         </p:nvPicPr>
         <p:blipFill>
-          <a:blip r:embed="rId2"/>
+          <a:blip r:embed="rId2" cstate="print"/>
           <a:stretch>
             <a:fillRect/>
           </a:stretch>
@@ -9540,7 +9778,7 @@
           <p:nvPr/>
         </p:nvPicPr>
         <p:blipFill>
-          <a:blip r:embed="rId3"/>
+          <a:blip r:embed="rId3" cstate="print"/>
           <a:stretch>
             <a:fillRect/>
           </a:stretch>
@@ -9847,7 +10085,7 @@
     </p:spTree>
     <p:extLst>
       <p:ext uri="{BB962C8B-B14F-4D97-AF65-F5344CB8AC3E}">
-        <p14:creationId xmlns:p14="http://schemas.microsoft.com/office/powerpoint/2010/main" val="4225468947"/>
+        <p14:creationId xmlns:p14="http://schemas.microsoft.com/office/powerpoint/2010/main" xmlns="" val="4225468947"/>
       </p:ext>
     </p:extLst>
   </p:cSld>
@@ -11365,7 +11603,7 @@
     </p:spTree>
     <p:extLst>
       <p:ext uri="{BB962C8B-B14F-4D97-AF65-F5344CB8AC3E}">
-        <p14:creationId xmlns:p14="http://schemas.microsoft.com/office/powerpoint/2010/main" val="1952407567"/>
+        <p14:creationId xmlns:p14="http://schemas.microsoft.com/office/powerpoint/2010/main" xmlns="" val="1952407567"/>
       </p:ext>
     </p:extLst>
   </p:cSld>
@@ -11429,7 +11667,7 @@
           <p:nvPr/>
         </p:nvPicPr>
         <p:blipFill>
-          <a:blip r:embed="rId2"/>
+          <a:blip r:embed="rId2" cstate="print"/>
           <a:stretch>
             <a:fillRect/>
           </a:stretch>
@@ -12884,7 +13122,7 @@
     </p:spTree>
     <p:extLst>
       <p:ext uri="{BB962C8B-B14F-4D97-AF65-F5344CB8AC3E}">
-        <p14:creationId xmlns:p14="http://schemas.microsoft.com/office/powerpoint/2010/main" val="2453992389"/>
+        <p14:creationId xmlns:p14="http://schemas.microsoft.com/office/powerpoint/2010/main" xmlns="" val="2453992389"/>
       </p:ext>
     </p:extLst>
   </p:cSld>
@@ -14737,7 +14975,7 @@
           <p:nvPr/>
         </p:nvPicPr>
         <p:blipFill>
-          <a:blip r:embed="rId2"/>
+          <a:blip r:embed="rId2" cstate="print"/>
           <a:stretch>
             <a:fillRect/>
           </a:stretch>
@@ -14995,7 +15233,7 @@
     </p:spTree>
     <p:extLst>
       <p:ext uri="{BB962C8B-B14F-4D97-AF65-F5344CB8AC3E}">
-        <p14:creationId xmlns:p14="http://schemas.microsoft.com/office/powerpoint/2010/main" val="2877493960"/>
+        <p14:creationId xmlns:p14="http://schemas.microsoft.com/office/powerpoint/2010/main" xmlns="" val="2877493960"/>
       </p:ext>
     </p:extLst>
   </p:cSld>
@@ -15022,8 +15260,8 @@
           <a:chExt cx="0" cy="0"/>
         </a:xfrm>
       </p:grpSpPr>
-      <mc:AlternateContent xmlns:mc="http://schemas.openxmlformats.org/markup-compatibility/2006" xmlns:a14="http://schemas.microsoft.com/office/drawing/2010/main">
-        <mc:Choice Requires="a14">
+      <mc:AlternateContent xmlns:mc="http://schemas.openxmlformats.org/markup-compatibility/2006">
+        <mc:Choice xmlns:a14="http://schemas.microsoft.com/office/drawing/2010/main" xmlns="" Requires="a14">
           <p:sp>
             <p:nvSpPr>
               <p:cNvPr id="47" name="텍스트 개체 틀 46"/>
@@ -15993,7 +16231,7 @@
             </p:txBody>
           </p:sp>
         </mc:Choice>
-        <mc:Fallback xmlns="">
+        <mc:Fallback>
           <p:sp>
             <p:nvSpPr>
               <p:cNvPr id="47" name="텍스트 개체 틀 46"/>
@@ -16010,7 +16248,7 @@
                 <a:ext cx="8928992" cy="2538775"/>
               </a:xfrm>
               <a:blipFill rotWithShape="0">
-                <a:blip r:embed="rId2"/>
+                <a:blip r:embed="rId2" cstate="print"/>
                 <a:stretch>
                   <a:fillRect l="-342" t="-1679"/>
                 </a:stretch>
@@ -16558,8 +16796,8 @@
             </a:fontRef>
           </p:style>
         </p:cxnSp>
-        <mc:AlternateContent xmlns:mc="http://schemas.openxmlformats.org/markup-compatibility/2006" xmlns:a14="http://schemas.microsoft.com/office/drawing/2010/main">
-          <mc:Choice Requires="a14">
+        <mc:AlternateContent xmlns:mc="http://schemas.openxmlformats.org/markup-compatibility/2006">
+          <mc:Choice xmlns:a14="http://schemas.microsoft.com/office/drawing/2010/main" xmlns="" Requires="a14">
             <p:sp>
               <p:nvSpPr>
                 <p:cNvPr id="16" name="TextBox 15"/>
@@ -16628,7 +16866,7 @@
               </p:txBody>
             </p:sp>
           </mc:Choice>
-          <mc:Fallback xmlns="">
+          <mc:Fallback>
             <p:sp>
               <p:nvSpPr>
                 <p:cNvPr id="16" name="TextBox 15"/>
@@ -16646,7 +16884,7 @@
                   <a:avLst/>
                 </a:prstGeom>
                 <a:blipFill rotWithShape="0">
-                  <a:blip r:embed="rId3"/>
+                  <a:blip r:embed="rId3" cstate="print"/>
                   <a:stretch>
                     <a:fillRect b="-2667"/>
                   </a:stretch>
@@ -16704,8 +16942,8 @@
             </a:fontRef>
           </p:style>
         </p:cxnSp>
-        <mc:AlternateContent xmlns:mc="http://schemas.openxmlformats.org/markup-compatibility/2006" xmlns:a14="http://schemas.microsoft.com/office/drawing/2010/main">
-          <mc:Choice Requires="a14">
+        <mc:AlternateContent xmlns:mc="http://schemas.openxmlformats.org/markup-compatibility/2006">
+          <mc:Choice xmlns:a14="http://schemas.microsoft.com/office/drawing/2010/main" xmlns="" Requires="a14">
             <p:sp>
               <p:nvSpPr>
                 <p:cNvPr id="18" name="TextBox 17"/>
@@ -16774,7 +17012,7 @@
               </p:txBody>
             </p:sp>
           </mc:Choice>
-          <mc:Fallback xmlns="">
+          <mc:Fallback>
             <p:sp>
               <p:nvSpPr>
                 <p:cNvPr id="18" name="TextBox 17"/>
@@ -16792,7 +17030,7 @@
                   <a:avLst/>
                 </a:prstGeom>
                 <a:blipFill rotWithShape="0">
-                  <a:blip r:embed="rId4"/>
+                  <a:blip r:embed="rId4" cstate="print"/>
                   <a:stretch>
                     <a:fillRect b="-3947"/>
                   </a:stretch>
@@ -16813,8 +17051,8 @@
             </p:sp>
           </mc:Fallback>
         </mc:AlternateContent>
-        <mc:AlternateContent xmlns:mc="http://schemas.openxmlformats.org/markup-compatibility/2006" xmlns:a14="http://schemas.microsoft.com/office/drawing/2010/main">
-          <mc:Choice Requires="a14">
+        <mc:AlternateContent xmlns:mc="http://schemas.openxmlformats.org/markup-compatibility/2006">
+          <mc:Choice xmlns:a14="http://schemas.microsoft.com/office/drawing/2010/main" xmlns="" Requires="a14">
             <p:sp>
               <p:nvSpPr>
                 <p:cNvPr id="21" name="TextBox 20"/>
@@ -16883,7 +17121,7 @@
               </p:txBody>
             </p:sp>
           </mc:Choice>
-          <mc:Fallback xmlns="">
+          <mc:Fallback>
             <p:sp>
               <p:nvSpPr>
                 <p:cNvPr id="21" name="TextBox 20"/>
@@ -16901,7 +17139,7 @@
                   <a:avLst/>
                 </a:prstGeom>
                 <a:blipFill rotWithShape="0">
-                  <a:blip r:embed="rId5"/>
+                  <a:blip r:embed="rId5" cstate="print"/>
                   <a:stretch>
                     <a:fillRect b="-1667"/>
                   </a:stretch>
@@ -16922,8 +17160,8 @@
             </p:sp>
           </mc:Fallback>
         </mc:AlternateContent>
-        <mc:AlternateContent xmlns:mc="http://schemas.openxmlformats.org/markup-compatibility/2006" xmlns:a14="http://schemas.microsoft.com/office/drawing/2010/main">
-          <mc:Choice Requires="a14">
+        <mc:AlternateContent xmlns:mc="http://schemas.openxmlformats.org/markup-compatibility/2006">
+          <mc:Choice xmlns:a14="http://schemas.microsoft.com/office/drawing/2010/main" xmlns="" Requires="a14">
             <p:sp>
               <p:nvSpPr>
                 <p:cNvPr id="22" name="TextBox 21"/>
@@ -16992,7 +17230,7 @@
               </p:txBody>
             </p:sp>
           </mc:Choice>
-          <mc:Fallback xmlns="">
+          <mc:Fallback>
             <p:sp>
               <p:nvSpPr>
                 <p:cNvPr id="22" name="TextBox 21"/>
@@ -17010,7 +17248,7 @@
                   <a:avLst/>
                 </a:prstGeom>
                 <a:blipFill rotWithShape="0">
-                  <a:blip r:embed="rId6"/>
+                  <a:blip r:embed="rId6" cstate="print"/>
                   <a:stretch>
                     <a:fillRect/>
                   </a:stretch>
@@ -17031,8 +17269,8 @@
             </p:sp>
           </mc:Fallback>
         </mc:AlternateContent>
-        <mc:AlternateContent xmlns:mc="http://schemas.openxmlformats.org/markup-compatibility/2006" xmlns:a14="http://schemas.microsoft.com/office/drawing/2010/main">
-          <mc:Choice Requires="a14">
+        <mc:AlternateContent xmlns:mc="http://schemas.openxmlformats.org/markup-compatibility/2006">
+          <mc:Choice xmlns:a14="http://schemas.microsoft.com/office/drawing/2010/main" xmlns="" Requires="a14">
             <p:sp>
               <p:nvSpPr>
                 <p:cNvPr id="23" name="TextBox 22"/>
@@ -17101,7 +17339,7 @@
               </p:txBody>
             </p:sp>
           </mc:Choice>
-          <mc:Fallback xmlns="">
+          <mc:Fallback>
             <p:sp>
               <p:nvSpPr>
                 <p:cNvPr id="23" name="TextBox 22"/>
@@ -17119,7 +17357,7 @@
                   <a:avLst/>
                 </a:prstGeom>
                 <a:blipFill rotWithShape="0">
-                  <a:blip r:embed="rId7"/>
+                  <a:blip r:embed="rId7" cstate="print"/>
                   <a:stretch>
                     <a:fillRect b="-1667"/>
                   </a:stretch>
@@ -17140,8 +17378,8 @@
             </p:sp>
           </mc:Fallback>
         </mc:AlternateContent>
-        <mc:AlternateContent xmlns:mc="http://schemas.openxmlformats.org/markup-compatibility/2006" xmlns:a14="http://schemas.microsoft.com/office/drawing/2010/main">
-          <mc:Choice Requires="a14">
+        <mc:AlternateContent xmlns:mc="http://schemas.openxmlformats.org/markup-compatibility/2006">
+          <mc:Choice xmlns:a14="http://schemas.microsoft.com/office/drawing/2010/main" xmlns="" Requires="a14">
             <p:sp>
               <p:nvSpPr>
                 <p:cNvPr id="24" name="TextBox 23"/>
@@ -17217,7 +17455,7 @@
               </p:txBody>
             </p:sp>
           </mc:Choice>
-          <mc:Fallback xmlns="">
+          <mc:Fallback>
             <p:sp>
               <p:nvSpPr>
                 <p:cNvPr id="24" name="TextBox 23"/>
@@ -17235,7 +17473,7 @@
                   <a:avLst/>
                 </a:prstGeom>
                 <a:blipFill rotWithShape="0">
-                  <a:blip r:embed="rId8"/>
+                  <a:blip r:embed="rId8" cstate="print"/>
                   <a:stretch>
                     <a:fillRect/>
                   </a:stretch>
@@ -17256,8 +17494,8 @@
             </p:sp>
           </mc:Fallback>
         </mc:AlternateContent>
-        <mc:AlternateContent xmlns:mc="http://schemas.openxmlformats.org/markup-compatibility/2006" xmlns:a14="http://schemas.microsoft.com/office/drawing/2010/main">
-          <mc:Choice Requires="a14">
+        <mc:AlternateContent xmlns:mc="http://schemas.openxmlformats.org/markup-compatibility/2006">
+          <mc:Choice xmlns:a14="http://schemas.microsoft.com/office/drawing/2010/main" xmlns="" Requires="a14">
             <p:sp>
               <p:nvSpPr>
                 <p:cNvPr id="25" name="TextBox 24"/>
@@ -17333,7 +17571,7 @@
               </p:txBody>
             </p:sp>
           </mc:Choice>
-          <mc:Fallback xmlns="">
+          <mc:Fallback>
             <p:sp>
               <p:nvSpPr>
                 <p:cNvPr id="25" name="TextBox 24"/>
@@ -17351,7 +17589,7 @@
                   <a:avLst/>
                 </a:prstGeom>
                 <a:blipFill rotWithShape="0">
-                  <a:blip r:embed="rId9"/>
+                  <a:blip r:embed="rId9" cstate="print"/>
                   <a:stretch>
                     <a:fillRect/>
                   </a:stretch>
@@ -17372,8 +17610,8 @@
             </p:sp>
           </mc:Fallback>
         </mc:AlternateContent>
-        <mc:AlternateContent xmlns:mc="http://schemas.openxmlformats.org/markup-compatibility/2006" xmlns:a14="http://schemas.microsoft.com/office/drawing/2010/main">
-          <mc:Choice Requires="a14">
+        <mc:AlternateContent xmlns:mc="http://schemas.openxmlformats.org/markup-compatibility/2006">
+          <mc:Choice xmlns:a14="http://schemas.microsoft.com/office/drawing/2010/main" xmlns="" Requires="a14">
             <p:sp>
               <p:nvSpPr>
                 <p:cNvPr id="26" name="TextBox 25"/>
@@ -17449,7 +17687,7 @@
               </p:txBody>
             </p:sp>
           </mc:Choice>
-          <mc:Fallback xmlns="">
+          <mc:Fallback>
             <p:sp>
               <p:nvSpPr>
                 <p:cNvPr id="26" name="TextBox 25"/>
@@ -17467,7 +17705,7 @@
                   <a:avLst/>
                 </a:prstGeom>
                 <a:blipFill rotWithShape="0">
-                  <a:blip r:embed="rId10"/>
+                  <a:blip r:embed="rId10" cstate="print"/>
                   <a:stretch>
                     <a:fillRect/>
                   </a:stretch>
@@ -17488,8 +17726,8 @@
             </p:sp>
           </mc:Fallback>
         </mc:AlternateContent>
-        <mc:AlternateContent xmlns:mc="http://schemas.openxmlformats.org/markup-compatibility/2006" xmlns:a14="http://schemas.microsoft.com/office/drawing/2010/main">
-          <mc:Choice Requires="a14">
+        <mc:AlternateContent xmlns:mc="http://schemas.openxmlformats.org/markup-compatibility/2006">
+          <mc:Choice xmlns:a14="http://schemas.microsoft.com/office/drawing/2010/main" xmlns="" Requires="a14">
             <p:sp>
               <p:nvSpPr>
                 <p:cNvPr id="27" name="TextBox 26"/>
@@ -17565,7 +17803,7 @@
               </p:txBody>
             </p:sp>
           </mc:Choice>
-          <mc:Fallback xmlns="">
+          <mc:Fallback>
             <p:sp>
               <p:nvSpPr>
                 <p:cNvPr id="27" name="TextBox 26"/>
@@ -17583,7 +17821,7 @@
                   <a:avLst/>
                 </a:prstGeom>
                 <a:blipFill rotWithShape="0">
-                  <a:blip r:embed="rId11"/>
+                  <a:blip r:embed="rId11" cstate="print"/>
                   <a:stretch>
                     <a:fillRect/>
                   </a:stretch>
@@ -17693,8 +17931,8 @@
             </a:fontRef>
           </p:style>
         </p:cxnSp>
-        <mc:AlternateContent xmlns:mc="http://schemas.openxmlformats.org/markup-compatibility/2006" xmlns:a14="http://schemas.microsoft.com/office/drawing/2010/main">
-          <mc:Choice Requires="a14">
+        <mc:AlternateContent xmlns:mc="http://schemas.openxmlformats.org/markup-compatibility/2006">
+          <mc:Choice xmlns:a14="http://schemas.microsoft.com/office/drawing/2010/main" xmlns="" Requires="a14">
             <p:sp>
               <p:nvSpPr>
                 <p:cNvPr id="34" name="TextBox 33"/>
@@ -17763,7 +18001,7 @@
               </p:txBody>
             </p:sp>
           </mc:Choice>
-          <mc:Fallback xmlns="">
+          <mc:Fallback>
             <p:sp>
               <p:nvSpPr>
                 <p:cNvPr id="34" name="TextBox 33"/>
@@ -17781,7 +18019,7 @@
                   <a:avLst/>
                 </a:prstGeom>
                 <a:blipFill rotWithShape="0">
-                  <a:blip r:embed="rId12"/>
+                  <a:blip r:embed="rId12" cstate="print"/>
                   <a:stretch>
                     <a:fillRect/>
                   </a:stretch>
@@ -17838,8 +18076,8 @@
             </a:p>
           </p:txBody>
         </p:sp>
-        <mc:AlternateContent xmlns:mc="http://schemas.openxmlformats.org/markup-compatibility/2006" xmlns:a14="http://schemas.microsoft.com/office/drawing/2010/main">
-          <mc:Choice Requires="a14">
+        <mc:AlternateContent xmlns:mc="http://schemas.openxmlformats.org/markup-compatibility/2006">
+          <mc:Choice xmlns:a14="http://schemas.microsoft.com/office/drawing/2010/main" xmlns="" Requires="a14">
             <p:sp>
               <p:nvSpPr>
                 <p:cNvPr id="37" name="TextBox 36"/>
@@ -17915,7 +18153,7 @@
               </p:txBody>
             </p:sp>
           </mc:Choice>
-          <mc:Fallback xmlns="">
+          <mc:Fallback>
             <p:sp>
               <p:nvSpPr>
                 <p:cNvPr id="37" name="TextBox 36"/>
@@ -17933,7 +18171,7 @@
                   <a:avLst/>
                 </a:prstGeom>
                 <a:blipFill rotWithShape="0">
-                  <a:blip r:embed="rId14"/>
+                  <a:blip r:embed="rId13" cstate="print"/>
                   <a:stretch>
                     <a:fillRect l="-11111" r="-4762" b="-18000"/>
                   </a:stretch>
@@ -17954,8 +18192,8 @@
             </p:sp>
           </mc:Fallback>
         </mc:AlternateContent>
-        <mc:AlternateContent xmlns:mc="http://schemas.openxmlformats.org/markup-compatibility/2006" xmlns:a14="http://schemas.microsoft.com/office/drawing/2010/main">
-          <mc:Choice Requires="a14">
+        <mc:AlternateContent xmlns:mc="http://schemas.openxmlformats.org/markup-compatibility/2006">
+          <mc:Choice xmlns:a14="http://schemas.microsoft.com/office/drawing/2010/main" xmlns="" Requires="a14">
             <p:sp>
               <p:nvSpPr>
                 <p:cNvPr id="38" name="TextBox 37"/>
@@ -18031,7 +18269,7 @@
               </p:txBody>
             </p:sp>
           </mc:Choice>
-          <mc:Fallback xmlns="">
+          <mc:Fallback>
             <p:sp>
               <p:nvSpPr>
                 <p:cNvPr id="38" name="TextBox 37"/>
@@ -18049,7 +18287,7 @@
                   <a:avLst/>
                 </a:prstGeom>
                 <a:blipFill rotWithShape="0">
-                  <a:blip r:embed="rId15"/>
+                  <a:blip r:embed="rId14" cstate="print"/>
                   <a:stretch>
                     <a:fillRect l="-11111" r="-6349" b="-18000"/>
                   </a:stretch>
@@ -18375,8 +18613,8 @@
           </a:p>
         </p:txBody>
       </p:sp>
-      <mc:AlternateContent xmlns:mc="http://schemas.openxmlformats.org/markup-compatibility/2006" xmlns:a14="http://schemas.microsoft.com/office/drawing/2010/main">
-        <mc:Choice Requires="a14">
+      <mc:AlternateContent xmlns:mc="http://schemas.openxmlformats.org/markup-compatibility/2006">
+        <mc:Choice xmlns:a14="http://schemas.microsoft.com/office/drawing/2010/main" xmlns="" Requires="a14">
           <p:sp>
             <p:nvSpPr>
               <p:cNvPr id="50" name="직사각형 49"/>
@@ -18905,7 +19143,7 @@
             </p:txBody>
           </p:sp>
         </mc:Choice>
-        <mc:Fallback xmlns="">
+        <mc:Fallback>
           <p:sp>
             <p:nvSpPr>
               <p:cNvPr id="50" name="직사각형 49"/>
@@ -18923,7 +19161,7 @@
                 <a:avLst/>
               </a:prstGeom>
               <a:blipFill rotWithShape="0">
-                <a:blip r:embed="rId16"/>
+                <a:blip r:embed="rId15" cstate="print"/>
                 <a:stretch>
                   <a:fillRect l="-738" t="-882" b="-1176"/>
                 </a:stretch>
@@ -18952,7 +19190,7 @@
     </p:spTree>
     <p:extLst>
       <p:ext uri="{BB962C8B-B14F-4D97-AF65-F5344CB8AC3E}">
-        <p14:creationId xmlns:p14="http://schemas.microsoft.com/office/powerpoint/2010/main" val="60360377"/>
+        <p14:creationId xmlns:p14="http://schemas.microsoft.com/office/powerpoint/2010/main" xmlns="" val="60360377"/>
       </p:ext>
     </p:extLst>
   </p:cSld>
@@ -19019,7 +19257,7 @@
           <p:nvPr/>
         </p:nvPicPr>
         <p:blipFill>
-          <a:blip r:embed="rId2"/>
+          <a:blip r:embed="rId2" cstate="print"/>
           <a:stretch>
             <a:fillRect/>
           </a:stretch>
@@ -20498,7 +20736,7 @@
     </p:spTree>
     <p:extLst>
       <p:ext uri="{BB962C8B-B14F-4D97-AF65-F5344CB8AC3E}">
-        <p14:creationId xmlns:p14="http://schemas.microsoft.com/office/powerpoint/2010/main" val="1405159564"/>
+        <p14:creationId xmlns:p14="http://schemas.microsoft.com/office/powerpoint/2010/main" xmlns="" val="1405159564"/>
       </p:ext>
     </p:extLst>
   </p:cSld>
@@ -21794,7 +22032,7 @@
           <p:nvPr/>
         </p:nvPicPr>
         <p:blipFill>
-          <a:blip r:embed="rId2"/>
+          <a:blip r:embed="rId2" cstate="print"/>
           <a:stretch>
             <a:fillRect/>
           </a:stretch>
@@ -21906,7 +22144,7 @@
     </p:spTree>
     <p:extLst>
       <p:ext uri="{BB962C8B-B14F-4D97-AF65-F5344CB8AC3E}">
-        <p14:creationId xmlns:p14="http://schemas.microsoft.com/office/powerpoint/2010/main" val="2577309580"/>
+        <p14:creationId xmlns:p14="http://schemas.microsoft.com/office/powerpoint/2010/main" xmlns="" val="2577309580"/>
       </p:ext>
     </p:extLst>
   </p:cSld>
@@ -23523,7 +23761,7 @@
           <p:nvPr/>
         </p:nvPicPr>
         <p:blipFill>
-          <a:blip r:embed="rId2"/>
+          <a:blip r:embed="rId2" cstate="print"/>
           <a:stretch>
             <a:fillRect/>
           </a:stretch>
@@ -23541,7 +23779,7 @@
     </p:spTree>
     <p:extLst>
       <p:ext uri="{BB962C8B-B14F-4D97-AF65-F5344CB8AC3E}">
-        <p14:creationId xmlns:p14="http://schemas.microsoft.com/office/powerpoint/2010/main" val="1912788080"/>
+        <p14:creationId xmlns:p14="http://schemas.microsoft.com/office/powerpoint/2010/main" xmlns="" val="1912788080"/>
       </p:ext>
     </p:extLst>
   </p:cSld>
@@ -23868,7 +24106,7 @@
   <a:extraClrSchemeLst/>
   <a:extLst>
     <a:ext uri="{05A4C25C-085E-4340-85A3-A5531E510DB2}">
-      <thm15:themeFamily xmlns:thm15="http://schemas.microsoft.com/office/thememl/2012/main" name="테마1" id="{C3ED2316-A292-48A6-88C5-FB5D2734D3AB}" vid="{9DCB084A-53F9-403A-941F-70983B32F821}"/>
+      <thm15:themeFamily xmlns:thm15="http://schemas.microsoft.com/office/thememl/2012/main" xmlns="" name="테마1" id="{C3ED2316-A292-48A6-88C5-FB5D2734D3AB}" vid="{9DCB084A-53F9-403A-941F-70983B32F821}"/>
     </a:ext>
   </a:extLst>
 </a:theme>

--- a/com.js.ens.leveller/UI Desing 회의 내용20160804.pptx
+++ b/com.js.ens.leveller/UI Desing 회의 내용20160804.pptx
@@ -19,6 +19,7 @@
     <p:sldId id="269" r:id="rId13"/>
     <p:sldId id="259" r:id="rId14"/>
     <p:sldId id="270" r:id="rId15"/>
+    <p:sldId id="271" r:id="rId16"/>
   </p:sldIdLst>
   <p:sldSz cx="9144000" cy="6858000" type="screen4x3"/>
   <p:notesSz cx="6867525" cy="9994900"/>
@@ -119,7 +120,7 @@
   </p:defaultTextStyle>
   <p:extLst>
     <p:ext uri="{EFAFB233-063F-42B5-8137-9DF3F51BA10A}">
-      <p15:sldGuideLst xmlns:p15="http://schemas.microsoft.com/office/powerpoint/2012/main" xmlns="">
+      <p15:sldGuideLst xmlns:p15="http://schemas.microsoft.com/office/powerpoint/2012/main">
         <p15:guide id="1" orient="horz" pos="2137" userDrawn="1">
           <p15:clr>
             <a:srgbClr val="A4A3A4"/>
@@ -1935,7 +1936,7 @@
           <a:blip r:embed="rId2" cstate="print">
             <a:extLst>
               <a:ext uri="{28A0092B-C50C-407E-A947-70E740481C1C}">
-                <a14:useLocalDpi xmlns:a14="http://schemas.microsoft.com/office/drawing/2010/main" xmlns="" val="0"/>
+                <a14:useLocalDpi xmlns:a14="http://schemas.microsoft.com/office/drawing/2010/main" val="0"/>
               </a:ext>
             </a:extLst>
           </a:blip>
@@ -2001,7 +2002,7 @@
     </p:spTree>
     <p:extLst>
       <p:ext uri="{BB962C8B-B14F-4D97-AF65-F5344CB8AC3E}">
-        <p14:creationId xmlns:p14="http://schemas.microsoft.com/office/powerpoint/2010/main" xmlns="" val="2651165963"/>
+        <p14:creationId xmlns:p14="http://schemas.microsoft.com/office/powerpoint/2010/main" val="2651165963"/>
       </p:ext>
     </p:extLst>
   </p:cSld>
@@ -2210,7 +2211,7 @@
           <a:blip r:embed="rId3" cstate="print">
             <a:extLst>
               <a:ext uri="{28A0092B-C50C-407E-A947-70E740481C1C}">
-                <a14:useLocalDpi xmlns:a14="http://schemas.microsoft.com/office/drawing/2010/main" xmlns="" val="0"/>
+                <a14:useLocalDpi xmlns:a14="http://schemas.microsoft.com/office/drawing/2010/main" val="0"/>
               </a:ext>
             </a:extLst>
           </a:blip>
@@ -2324,7 +2325,7 @@
     </p:spTree>
     <p:extLst>
       <p:ext uri="{BB962C8B-B14F-4D97-AF65-F5344CB8AC3E}">
-        <p14:creationId xmlns:p14="http://schemas.microsoft.com/office/powerpoint/2010/main" xmlns="" val="1645228382"/>
+        <p14:creationId xmlns:p14="http://schemas.microsoft.com/office/powerpoint/2010/main" val="1645228382"/>
       </p:ext>
     </p:extLst>
   </p:cSld>
@@ -2585,7 +2586,7 @@
           <a:blip r:embed="rId2" cstate="print">
             <a:extLst>
               <a:ext uri="{28A0092B-C50C-407E-A947-70E740481C1C}">
-                <a14:useLocalDpi xmlns:a14="http://schemas.microsoft.com/office/drawing/2010/main" xmlns="" val="0"/>
+                <a14:useLocalDpi xmlns:a14="http://schemas.microsoft.com/office/drawing/2010/main" val="0"/>
               </a:ext>
             </a:extLst>
           </a:blip>
@@ -2751,7 +2752,7 @@
     </p:spTree>
     <p:extLst>
       <p:ext uri="{BB962C8B-B14F-4D97-AF65-F5344CB8AC3E}">
-        <p14:creationId xmlns:p14="http://schemas.microsoft.com/office/powerpoint/2010/main" xmlns="" val="1883167788"/>
+        <p14:creationId xmlns:p14="http://schemas.microsoft.com/office/powerpoint/2010/main" val="1883167788"/>
       </p:ext>
     </p:extLst>
   </p:cSld>
@@ -2900,7 +2901,7 @@
             <a:fld id="{18C51283-86D4-4EC1-8393-6FFCD6378B43}" type="datetimeFigureOut">
               <a:rPr lang="ko-KR" altLang="en-US" smtClean="0"/>
               <a:pPr/>
-              <a:t>2016-08-06</a:t>
+              <a:t>2016-08-09</a:t>
             </a:fld>
             <a:endParaRPr lang="ko-KR" altLang="en-US"/>
           </a:p>
@@ -2952,7 +2953,7 @@
     </p:spTree>
     <p:extLst>
       <p:ext uri="{BB962C8B-B14F-4D97-AF65-F5344CB8AC3E}">
-        <p14:creationId xmlns:p14="http://schemas.microsoft.com/office/powerpoint/2010/main" xmlns="" val="3257304213"/>
+        <p14:creationId xmlns:p14="http://schemas.microsoft.com/office/powerpoint/2010/main" val="3257304213"/>
       </p:ext>
     </p:extLst>
   </p:cSld>
@@ -4692,7 +4693,7 @@
             <a:fld id="{18C51283-86D4-4EC1-8393-6FFCD6378B43}" type="datetimeFigureOut">
               <a:rPr lang="ko-KR" altLang="en-US" smtClean="0"/>
               <a:pPr/>
-              <a:t>2016-08-06</a:t>
+              <a:t>2016-08-09</a:t>
             </a:fld>
             <a:endParaRPr lang="ko-KR" altLang="en-US"/>
           </a:p>
@@ -4842,7 +4843,7 @@
     </p:spTree>
     <p:extLst>
       <p:ext uri="{BB962C8B-B14F-4D97-AF65-F5344CB8AC3E}">
-        <p14:creationId xmlns:p14="http://schemas.microsoft.com/office/powerpoint/2010/main" xmlns="" val="3855555480"/>
+        <p14:creationId xmlns:p14="http://schemas.microsoft.com/office/powerpoint/2010/main" val="3855555480"/>
       </p:ext>
     </p:extLst>
   </p:cSld>
@@ -5238,7 +5239,7 @@
     </p:spTree>
     <p:extLst>
       <p:ext uri="{BB962C8B-B14F-4D97-AF65-F5344CB8AC3E}">
-        <p14:creationId xmlns:p14="http://schemas.microsoft.com/office/powerpoint/2010/main" xmlns="" val="1687115274"/>
+        <p14:creationId xmlns:p14="http://schemas.microsoft.com/office/powerpoint/2010/main" val="1687115274"/>
       </p:ext>
     </p:extLst>
   </p:cSld>
@@ -5280,7 +5281,7 @@
           <a:bodyPr/>
           <a:lstStyle/>
           <a:p>
-            <a:endParaRPr lang="ko-KR" altLang="en-US"/>
+            <a:endParaRPr lang="ko-KR" altLang="en-US" dirty="0"/>
           </a:p>
         </p:txBody>
       </p:sp>
@@ -5422,63 +5423,6 @@
               </a:rPr>
               <a:t>세 종류</a:t>
             </a:r>
-          </a:p>
-        </p:txBody>
-      </p:sp>
-      <p:sp>
-        <p:nvSpPr>
-          <p:cNvPr id="6" name="직사각형 5"/>
-          <p:cNvSpPr/>
-          <p:nvPr/>
-        </p:nvSpPr>
-        <p:spPr>
-          <a:xfrm>
-            <a:off x="798326" y="2012666"/>
-            <a:ext cx="1821600" cy="126000"/>
-          </a:xfrm>
-          <a:prstGeom prst="rect">
-            <a:avLst/>
-          </a:prstGeom>
-          <a:solidFill>
-            <a:srgbClr val="FF0000">
-              <a:alpha val="50000"/>
-            </a:srgbClr>
-          </a:solidFill>
-          <a:ln>
-            <a:solidFill>
-              <a:schemeClr val="tx1">
-                <a:lumMod val="95000"/>
-                <a:lumOff val="5000"/>
-              </a:schemeClr>
-            </a:solidFill>
-          </a:ln>
-        </p:spPr>
-        <p:style>
-          <a:lnRef idx="2">
-            <a:schemeClr val="accent1">
-              <a:shade val="50000"/>
-            </a:schemeClr>
-          </a:lnRef>
-          <a:fillRef idx="1">
-            <a:schemeClr val="accent1"/>
-          </a:fillRef>
-          <a:effectRef idx="0">
-            <a:schemeClr val="accent1"/>
-          </a:effectRef>
-          <a:fontRef idx="minor">
-            <a:schemeClr val="lt1"/>
-          </a:fontRef>
-        </p:style>
-        <p:txBody>
-          <a:bodyPr rtlCol="0" anchor="ctr"/>
-          <a:lstStyle/>
-          <a:p>
-            <a:pPr algn="ctr"/>
-            <a:endParaRPr lang="ko-KR" altLang="en-US" sz="900" dirty="0" smtClean="0">
-              <a:solidFill>
-                <a:schemeClr val="tx1"/>
-              </a:solidFill>
-            </a:endParaRPr>
           </a:p>
         </p:txBody>
       </p:sp>
@@ -5719,7 +5663,7 @@
     </p:spTree>
     <p:extLst>
       <p:ext uri="{BB962C8B-B14F-4D97-AF65-F5344CB8AC3E}">
-        <p14:creationId xmlns:p14="http://schemas.microsoft.com/office/powerpoint/2010/main" xmlns="" val="1111194780"/>
+        <p14:creationId xmlns:p14="http://schemas.microsoft.com/office/powerpoint/2010/main" val="1111194780"/>
       </p:ext>
     </p:extLst>
   </p:cSld>
@@ -5888,63 +5832,6 @@
               </a:rPr>
               <a:t>세 종류</a:t>
             </a:r>
-          </a:p>
-        </p:txBody>
-      </p:sp>
-      <p:sp>
-        <p:nvSpPr>
-          <p:cNvPr id="6" name="직사각형 5"/>
-          <p:cNvSpPr/>
-          <p:nvPr/>
-        </p:nvSpPr>
-        <p:spPr>
-          <a:xfrm>
-            <a:off x="431126" y="1630505"/>
-            <a:ext cx="1821600" cy="126000"/>
-          </a:xfrm>
-          <a:prstGeom prst="rect">
-            <a:avLst/>
-          </a:prstGeom>
-          <a:solidFill>
-            <a:srgbClr val="FF0000">
-              <a:alpha val="50000"/>
-            </a:srgbClr>
-          </a:solidFill>
-          <a:ln>
-            <a:solidFill>
-              <a:schemeClr val="tx1">
-                <a:lumMod val="95000"/>
-                <a:lumOff val="5000"/>
-              </a:schemeClr>
-            </a:solidFill>
-          </a:ln>
-        </p:spPr>
-        <p:style>
-          <a:lnRef idx="2">
-            <a:schemeClr val="accent1">
-              <a:shade val="50000"/>
-            </a:schemeClr>
-          </a:lnRef>
-          <a:fillRef idx="1">
-            <a:schemeClr val="accent1"/>
-          </a:fillRef>
-          <a:effectRef idx="0">
-            <a:schemeClr val="accent1"/>
-          </a:effectRef>
-          <a:fontRef idx="minor">
-            <a:schemeClr val="lt1"/>
-          </a:fontRef>
-        </p:style>
-        <p:txBody>
-          <a:bodyPr rtlCol="0" anchor="ctr"/>
-          <a:lstStyle/>
-          <a:p>
-            <a:pPr algn="ctr"/>
-            <a:endParaRPr lang="ko-KR" altLang="en-US" sz="900" dirty="0" smtClean="0">
-              <a:solidFill>
-                <a:schemeClr val="tx1"/>
-              </a:solidFill>
-            </a:endParaRPr>
           </a:p>
         </p:txBody>
       </p:sp>
@@ -6013,7 +5900,7 @@
         </p:nvSpPr>
         <p:spPr>
           <a:xfrm>
-            <a:off x="3218400" y="4057760"/>
+            <a:off x="3218400" y="3891991"/>
             <a:ext cx="2462400" cy="126000"/>
           </a:xfrm>
           <a:prstGeom prst="rect">
@@ -6305,7 +6192,7 @@
           <p:nvPr>
             <p:extLst>
               <p:ext uri="{D42A27DB-BD31-4B8C-83A1-F6EECF244321}">
-                <p14:modId xmlns:p14="http://schemas.microsoft.com/office/powerpoint/2010/main" xmlns="" val="448402895"/>
+                <p14:modId xmlns:p14="http://schemas.microsoft.com/office/powerpoint/2010/main" val="448402895"/>
               </p:ext>
             </p:extLst>
           </p:nvPr>
@@ -6863,7 +6750,7 @@
     </p:spTree>
     <p:extLst>
       <p:ext uri="{BB962C8B-B14F-4D97-AF65-F5344CB8AC3E}">
-        <p14:creationId xmlns:p14="http://schemas.microsoft.com/office/powerpoint/2010/main" xmlns="" val="1669317170"/>
+        <p14:creationId xmlns:p14="http://schemas.microsoft.com/office/powerpoint/2010/main" val="1669317170"/>
       </p:ext>
     </p:extLst>
   </p:cSld>
@@ -7037,70 +6924,13 @@
       </p:sp>
       <p:sp>
         <p:nvSpPr>
-          <p:cNvPr id="6" name="직사각형 5"/>
-          <p:cNvSpPr/>
-          <p:nvPr/>
-        </p:nvSpPr>
-        <p:spPr>
-          <a:xfrm>
-            <a:off x="431126" y="1630505"/>
-            <a:ext cx="1821600" cy="126000"/>
-          </a:xfrm>
-          <a:prstGeom prst="rect">
-            <a:avLst/>
-          </a:prstGeom>
-          <a:solidFill>
-            <a:srgbClr val="FF0000">
-              <a:alpha val="50000"/>
-            </a:srgbClr>
-          </a:solidFill>
-          <a:ln>
-            <a:solidFill>
-              <a:schemeClr val="tx1">
-                <a:lumMod val="95000"/>
-                <a:lumOff val="5000"/>
-              </a:schemeClr>
-            </a:solidFill>
-          </a:ln>
-        </p:spPr>
-        <p:style>
-          <a:lnRef idx="2">
-            <a:schemeClr val="accent1">
-              <a:shade val="50000"/>
-            </a:schemeClr>
-          </a:lnRef>
-          <a:fillRef idx="1">
-            <a:schemeClr val="accent1"/>
-          </a:fillRef>
-          <a:effectRef idx="0">
-            <a:schemeClr val="accent1"/>
-          </a:effectRef>
-          <a:fontRef idx="minor">
-            <a:schemeClr val="lt1"/>
-          </a:fontRef>
-        </p:style>
-        <p:txBody>
-          <a:bodyPr rtlCol="0" anchor="ctr"/>
-          <a:lstStyle/>
-          <a:p>
-            <a:pPr algn="ctr"/>
-            <a:endParaRPr lang="ko-KR" altLang="en-US" sz="900" dirty="0" smtClean="0">
-              <a:solidFill>
-                <a:schemeClr val="tx1"/>
-              </a:solidFill>
-            </a:endParaRPr>
-          </a:p>
-        </p:txBody>
-      </p:sp>
-      <p:sp>
-        <p:nvSpPr>
           <p:cNvPr id="9" name="직사각형 8"/>
           <p:cNvSpPr/>
           <p:nvPr/>
         </p:nvSpPr>
         <p:spPr>
           <a:xfrm>
-            <a:off x="3218400" y="4057760"/>
+            <a:off x="3218399" y="3913779"/>
             <a:ext cx="2462400" cy="126000"/>
           </a:xfrm>
           <a:prstGeom prst="rect">
@@ -7286,7 +7116,7 @@
           <p:nvPr>
             <p:extLst>
               <p:ext uri="{D42A27DB-BD31-4B8C-83A1-F6EECF244321}">
-                <p14:modId xmlns:p14="http://schemas.microsoft.com/office/powerpoint/2010/main" xmlns="" val="389659262"/>
+                <p14:modId xmlns:p14="http://schemas.microsoft.com/office/powerpoint/2010/main" val="389659262"/>
               </p:ext>
             </p:extLst>
           </p:nvPr>
@@ -7965,7 +7795,7 @@
     </p:spTree>
     <p:extLst>
       <p:ext uri="{BB962C8B-B14F-4D97-AF65-F5344CB8AC3E}">
-        <p14:creationId xmlns:p14="http://schemas.microsoft.com/office/powerpoint/2010/main" xmlns="" val="1764633134"/>
+        <p14:creationId xmlns:p14="http://schemas.microsoft.com/office/powerpoint/2010/main" val="1764633134"/>
       </p:ext>
     </p:extLst>
   </p:cSld>
@@ -9275,7 +9105,7 @@
     </p:spTree>
     <p:extLst>
       <p:ext uri="{BB962C8B-B14F-4D97-AF65-F5344CB8AC3E}">
-        <p14:creationId xmlns:p14="http://schemas.microsoft.com/office/powerpoint/2010/main" xmlns="" val="2619127201"/>
+        <p14:creationId xmlns:p14="http://schemas.microsoft.com/office/powerpoint/2010/main" val="2619127201"/>
       </p:ext>
     </p:extLst>
   </p:cSld>
@@ -9511,6 +9341,98 @@
         </p:txBody>
       </p:sp>
     </p:spTree>
+  </p:cSld>
+  <p:clrMapOvr>
+    <a:masterClrMapping/>
+  </p:clrMapOvr>
+</p:sld>
+</file>
+
+<file path=ppt/slides/slide15.xml><?xml version="1.0" encoding="utf-8"?>
+<p:sld xmlns:a="http://schemas.openxmlformats.org/drawingml/2006/main" xmlns:r="http://schemas.openxmlformats.org/officeDocument/2006/relationships" xmlns:p="http://schemas.openxmlformats.org/presentationml/2006/main">
+  <p:cSld>
+    <p:spTree>
+      <p:nvGrpSpPr>
+        <p:cNvPr id="1" name=""/>
+        <p:cNvGrpSpPr/>
+        <p:nvPr/>
+      </p:nvGrpSpPr>
+      <p:grpSpPr>
+        <a:xfrm>
+          <a:off x="0" y="0"/>
+          <a:ext cx="0" cy="0"/>
+          <a:chOff x="0" y="0"/>
+          <a:chExt cx="0" cy="0"/>
+        </a:xfrm>
+      </p:grpSpPr>
+      <p:sp>
+        <p:nvSpPr>
+          <p:cNvPr id="2" name="텍스트 개체 틀 1"/>
+          <p:cNvSpPr>
+            <a:spLocks noGrp="1"/>
+          </p:cNvSpPr>
+          <p:nvPr>
+            <p:ph type="body" sz="half" idx="2"/>
+          </p:nvPr>
+        </p:nvSpPr>
+        <p:spPr/>
+        <p:txBody>
+          <a:bodyPr/>
+          <a:lstStyle/>
+          <a:p>
+            <a:endParaRPr lang="ko-KR" altLang="en-US"/>
+          </a:p>
+        </p:txBody>
+      </p:sp>
+      <p:sp>
+        <p:nvSpPr>
+          <p:cNvPr id="3" name="제목 2"/>
+          <p:cNvSpPr>
+            <a:spLocks noGrp="1"/>
+          </p:cNvSpPr>
+          <p:nvPr>
+            <p:ph type="title"/>
+          </p:nvPr>
+        </p:nvSpPr>
+        <p:spPr/>
+        <p:txBody>
+          <a:bodyPr/>
+          <a:lstStyle/>
+          <a:p>
+            <a:endParaRPr lang="ko-KR" altLang="en-US"/>
+          </a:p>
+        </p:txBody>
+      </p:sp>
+      <p:pic>
+        <p:nvPicPr>
+          <p:cNvPr id="4" name="그림 3"/>
+          <p:cNvPicPr>
+            <a:picLocks noChangeAspect="1"/>
+          </p:cNvPicPr>
+          <p:nvPr/>
+        </p:nvPicPr>
+        <p:blipFill>
+          <a:blip r:embed="rId2"/>
+          <a:stretch>
+            <a:fillRect/>
+          </a:stretch>
+        </p:blipFill>
+        <p:spPr>
+          <a:xfrm>
+            <a:off x="558800" y="1292991"/>
+            <a:ext cx="6419850" cy="4492462"/>
+          </a:xfrm>
+          <a:prstGeom prst="rect">
+            <a:avLst/>
+          </a:prstGeom>
+        </p:spPr>
+      </p:pic>
+    </p:spTree>
+    <p:extLst>
+      <p:ext uri="{BB962C8B-B14F-4D97-AF65-F5344CB8AC3E}">
+        <p14:creationId xmlns:p14="http://schemas.microsoft.com/office/powerpoint/2010/main" val="1080205829"/>
+      </p:ext>
+    </p:extLst>
   </p:cSld>
   <p:clrMapOvr>
     <a:masterClrMapping/>
@@ -10085,7 +10007,7 @@
     </p:spTree>
     <p:extLst>
       <p:ext uri="{BB962C8B-B14F-4D97-AF65-F5344CB8AC3E}">
-        <p14:creationId xmlns:p14="http://schemas.microsoft.com/office/powerpoint/2010/main" xmlns="" val="4225468947"/>
+        <p14:creationId xmlns:p14="http://schemas.microsoft.com/office/powerpoint/2010/main" val="4225468947"/>
       </p:ext>
     </p:extLst>
   </p:cSld>
@@ -11603,7 +11525,7 @@
     </p:spTree>
     <p:extLst>
       <p:ext uri="{BB962C8B-B14F-4D97-AF65-F5344CB8AC3E}">
-        <p14:creationId xmlns:p14="http://schemas.microsoft.com/office/powerpoint/2010/main" xmlns="" val="1952407567"/>
+        <p14:creationId xmlns:p14="http://schemas.microsoft.com/office/powerpoint/2010/main" val="1952407567"/>
       </p:ext>
     </p:extLst>
   </p:cSld>
@@ -13122,7 +13044,7 @@
     </p:spTree>
     <p:extLst>
       <p:ext uri="{BB962C8B-B14F-4D97-AF65-F5344CB8AC3E}">
-        <p14:creationId xmlns:p14="http://schemas.microsoft.com/office/powerpoint/2010/main" xmlns="" val="2453992389"/>
+        <p14:creationId xmlns:p14="http://schemas.microsoft.com/office/powerpoint/2010/main" val="2453992389"/>
       </p:ext>
     </p:extLst>
   </p:cSld>
@@ -15233,7 +15155,7 @@
     </p:spTree>
     <p:extLst>
       <p:ext uri="{BB962C8B-B14F-4D97-AF65-F5344CB8AC3E}">
-        <p14:creationId xmlns:p14="http://schemas.microsoft.com/office/powerpoint/2010/main" xmlns="" val="2877493960"/>
+        <p14:creationId xmlns:p14="http://schemas.microsoft.com/office/powerpoint/2010/main" val="2877493960"/>
       </p:ext>
     </p:extLst>
   </p:cSld>
@@ -15260,8 +15182,8 @@
           <a:chExt cx="0" cy="0"/>
         </a:xfrm>
       </p:grpSpPr>
-      <mc:AlternateContent xmlns:mc="http://schemas.openxmlformats.org/markup-compatibility/2006">
-        <mc:Choice xmlns:a14="http://schemas.microsoft.com/office/drawing/2010/main" xmlns="" Requires="a14">
+      <mc:AlternateContent xmlns:mc="http://schemas.openxmlformats.org/markup-compatibility/2006" xmlns:a14="http://schemas.microsoft.com/office/drawing/2010/main">
+        <mc:Choice Requires="a14">
           <p:sp>
             <p:nvSpPr>
               <p:cNvPr id="47" name="텍스트 개체 틀 46"/>
@@ -16231,7 +16153,7 @@
             </p:txBody>
           </p:sp>
         </mc:Choice>
-        <mc:Fallback>
+        <mc:Fallback xmlns="">
           <p:sp>
             <p:nvSpPr>
               <p:cNvPr id="47" name="텍스트 개체 틀 46"/>
@@ -16796,8 +16718,8 @@
             </a:fontRef>
           </p:style>
         </p:cxnSp>
-        <mc:AlternateContent xmlns:mc="http://schemas.openxmlformats.org/markup-compatibility/2006">
-          <mc:Choice xmlns:a14="http://schemas.microsoft.com/office/drawing/2010/main" xmlns="" Requires="a14">
+        <mc:AlternateContent xmlns:mc="http://schemas.openxmlformats.org/markup-compatibility/2006" xmlns:a14="http://schemas.microsoft.com/office/drawing/2010/main">
+          <mc:Choice Requires="a14">
             <p:sp>
               <p:nvSpPr>
                 <p:cNvPr id="16" name="TextBox 15"/>
@@ -16866,7 +16788,7 @@
               </p:txBody>
             </p:sp>
           </mc:Choice>
-          <mc:Fallback>
+          <mc:Fallback xmlns="">
             <p:sp>
               <p:nvSpPr>
                 <p:cNvPr id="16" name="TextBox 15"/>
@@ -16942,8 +16864,8 @@
             </a:fontRef>
           </p:style>
         </p:cxnSp>
-        <mc:AlternateContent xmlns:mc="http://schemas.openxmlformats.org/markup-compatibility/2006">
-          <mc:Choice xmlns:a14="http://schemas.microsoft.com/office/drawing/2010/main" xmlns="" Requires="a14">
+        <mc:AlternateContent xmlns:mc="http://schemas.openxmlformats.org/markup-compatibility/2006" xmlns:a14="http://schemas.microsoft.com/office/drawing/2010/main">
+          <mc:Choice Requires="a14">
             <p:sp>
               <p:nvSpPr>
                 <p:cNvPr id="18" name="TextBox 17"/>
@@ -17012,7 +16934,7 @@
               </p:txBody>
             </p:sp>
           </mc:Choice>
-          <mc:Fallback>
+          <mc:Fallback xmlns="">
             <p:sp>
               <p:nvSpPr>
                 <p:cNvPr id="18" name="TextBox 17"/>
@@ -17051,8 +16973,8 @@
             </p:sp>
           </mc:Fallback>
         </mc:AlternateContent>
-        <mc:AlternateContent xmlns:mc="http://schemas.openxmlformats.org/markup-compatibility/2006">
-          <mc:Choice xmlns:a14="http://schemas.microsoft.com/office/drawing/2010/main" xmlns="" Requires="a14">
+        <mc:AlternateContent xmlns:mc="http://schemas.openxmlformats.org/markup-compatibility/2006" xmlns:a14="http://schemas.microsoft.com/office/drawing/2010/main">
+          <mc:Choice Requires="a14">
             <p:sp>
               <p:nvSpPr>
                 <p:cNvPr id="21" name="TextBox 20"/>
@@ -17121,7 +17043,7 @@
               </p:txBody>
             </p:sp>
           </mc:Choice>
-          <mc:Fallback>
+          <mc:Fallback xmlns="">
             <p:sp>
               <p:nvSpPr>
                 <p:cNvPr id="21" name="TextBox 20"/>
@@ -17160,8 +17082,8 @@
             </p:sp>
           </mc:Fallback>
         </mc:AlternateContent>
-        <mc:AlternateContent xmlns:mc="http://schemas.openxmlformats.org/markup-compatibility/2006">
-          <mc:Choice xmlns:a14="http://schemas.microsoft.com/office/drawing/2010/main" xmlns="" Requires="a14">
+        <mc:AlternateContent xmlns:mc="http://schemas.openxmlformats.org/markup-compatibility/2006" xmlns:a14="http://schemas.microsoft.com/office/drawing/2010/main">
+          <mc:Choice Requires="a14">
             <p:sp>
               <p:nvSpPr>
                 <p:cNvPr id="22" name="TextBox 21"/>
@@ -17230,7 +17152,7 @@
               </p:txBody>
             </p:sp>
           </mc:Choice>
-          <mc:Fallback>
+          <mc:Fallback xmlns="">
             <p:sp>
               <p:nvSpPr>
                 <p:cNvPr id="22" name="TextBox 21"/>
@@ -17269,8 +17191,8 @@
             </p:sp>
           </mc:Fallback>
         </mc:AlternateContent>
-        <mc:AlternateContent xmlns:mc="http://schemas.openxmlformats.org/markup-compatibility/2006">
-          <mc:Choice xmlns:a14="http://schemas.microsoft.com/office/drawing/2010/main" xmlns="" Requires="a14">
+        <mc:AlternateContent xmlns:mc="http://schemas.openxmlformats.org/markup-compatibility/2006" xmlns:a14="http://schemas.microsoft.com/office/drawing/2010/main">
+          <mc:Choice Requires="a14">
             <p:sp>
               <p:nvSpPr>
                 <p:cNvPr id="23" name="TextBox 22"/>
@@ -17339,7 +17261,7 @@
               </p:txBody>
             </p:sp>
           </mc:Choice>
-          <mc:Fallback>
+          <mc:Fallback xmlns="">
             <p:sp>
               <p:nvSpPr>
                 <p:cNvPr id="23" name="TextBox 22"/>
@@ -17378,8 +17300,8 @@
             </p:sp>
           </mc:Fallback>
         </mc:AlternateContent>
-        <mc:AlternateContent xmlns:mc="http://schemas.openxmlformats.org/markup-compatibility/2006">
-          <mc:Choice xmlns:a14="http://schemas.microsoft.com/office/drawing/2010/main" xmlns="" Requires="a14">
+        <mc:AlternateContent xmlns:mc="http://schemas.openxmlformats.org/markup-compatibility/2006" xmlns:a14="http://schemas.microsoft.com/office/drawing/2010/main">
+          <mc:Choice Requires="a14">
             <p:sp>
               <p:nvSpPr>
                 <p:cNvPr id="24" name="TextBox 23"/>
@@ -17455,7 +17377,7 @@
               </p:txBody>
             </p:sp>
           </mc:Choice>
-          <mc:Fallback>
+          <mc:Fallback xmlns="">
             <p:sp>
               <p:nvSpPr>
                 <p:cNvPr id="24" name="TextBox 23"/>
@@ -17494,8 +17416,8 @@
             </p:sp>
           </mc:Fallback>
         </mc:AlternateContent>
-        <mc:AlternateContent xmlns:mc="http://schemas.openxmlformats.org/markup-compatibility/2006">
-          <mc:Choice xmlns:a14="http://schemas.microsoft.com/office/drawing/2010/main" xmlns="" Requires="a14">
+        <mc:AlternateContent xmlns:mc="http://schemas.openxmlformats.org/markup-compatibility/2006" xmlns:a14="http://schemas.microsoft.com/office/drawing/2010/main">
+          <mc:Choice Requires="a14">
             <p:sp>
               <p:nvSpPr>
                 <p:cNvPr id="25" name="TextBox 24"/>
@@ -17571,7 +17493,7 @@
               </p:txBody>
             </p:sp>
           </mc:Choice>
-          <mc:Fallback>
+          <mc:Fallback xmlns="">
             <p:sp>
               <p:nvSpPr>
                 <p:cNvPr id="25" name="TextBox 24"/>
@@ -17610,8 +17532,8 @@
             </p:sp>
           </mc:Fallback>
         </mc:AlternateContent>
-        <mc:AlternateContent xmlns:mc="http://schemas.openxmlformats.org/markup-compatibility/2006">
-          <mc:Choice xmlns:a14="http://schemas.microsoft.com/office/drawing/2010/main" xmlns="" Requires="a14">
+        <mc:AlternateContent xmlns:mc="http://schemas.openxmlformats.org/markup-compatibility/2006" xmlns:a14="http://schemas.microsoft.com/office/drawing/2010/main">
+          <mc:Choice Requires="a14">
             <p:sp>
               <p:nvSpPr>
                 <p:cNvPr id="26" name="TextBox 25"/>
@@ -17687,7 +17609,7 @@
               </p:txBody>
             </p:sp>
           </mc:Choice>
-          <mc:Fallback>
+          <mc:Fallback xmlns="">
             <p:sp>
               <p:nvSpPr>
                 <p:cNvPr id="26" name="TextBox 25"/>
@@ -17726,8 +17648,8 @@
             </p:sp>
           </mc:Fallback>
         </mc:AlternateContent>
-        <mc:AlternateContent xmlns:mc="http://schemas.openxmlformats.org/markup-compatibility/2006">
-          <mc:Choice xmlns:a14="http://schemas.microsoft.com/office/drawing/2010/main" xmlns="" Requires="a14">
+        <mc:AlternateContent xmlns:mc="http://schemas.openxmlformats.org/markup-compatibility/2006" xmlns:a14="http://schemas.microsoft.com/office/drawing/2010/main">
+          <mc:Choice Requires="a14">
             <p:sp>
               <p:nvSpPr>
                 <p:cNvPr id="27" name="TextBox 26"/>
@@ -17803,7 +17725,7 @@
               </p:txBody>
             </p:sp>
           </mc:Choice>
-          <mc:Fallback>
+          <mc:Fallback xmlns="">
             <p:sp>
               <p:nvSpPr>
                 <p:cNvPr id="27" name="TextBox 26"/>
@@ -17931,8 +17853,8 @@
             </a:fontRef>
           </p:style>
         </p:cxnSp>
-        <mc:AlternateContent xmlns:mc="http://schemas.openxmlformats.org/markup-compatibility/2006">
-          <mc:Choice xmlns:a14="http://schemas.microsoft.com/office/drawing/2010/main" xmlns="" Requires="a14">
+        <mc:AlternateContent xmlns:mc="http://schemas.openxmlformats.org/markup-compatibility/2006" xmlns:a14="http://schemas.microsoft.com/office/drawing/2010/main">
+          <mc:Choice Requires="a14">
             <p:sp>
               <p:nvSpPr>
                 <p:cNvPr id="34" name="TextBox 33"/>
@@ -18001,7 +17923,7 @@
               </p:txBody>
             </p:sp>
           </mc:Choice>
-          <mc:Fallback>
+          <mc:Fallback xmlns="">
             <p:sp>
               <p:nvSpPr>
                 <p:cNvPr id="34" name="TextBox 33"/>
@@ -18076,8 +17998,8 @@
             </a:p>
           </p:txBody>
         </p:sp>
-        <mc:AlternateContent xmlns:mc="http://schemas.openxmlformats.org/markup-compatibility/2006">
-          <mc:Choice xmlns:a14="http://schemas.microsoft.com/office/drawing/2010/main" xmlns="" Requires="a14">
+        <mc:AlternateContent xmlns:mc="http://schemas.openxmlformats.org/markup-compatibility/2006" xmlns:a14="http://schemas.microsoft.com/office/drawing/2010/main">
+          <mc:Choice Requires="a14">
             <p:sp>
               <p:nvSpPr>
                 <p:cNvPr id="37" name="TextBox 36"/>
@@ -18153,7 +18075,7 @@
               </p:txBody>
             </p:sp>
           </mc:Choice>
-          <mc:Fallback>
+          <mc:Fallback xmlns="">
             <p:sp>
               <p:nvSpPr>
                 <p:cNvPr id="37" name="TextBox 36"/>
@@ -18192,8 +18114,8 @@
             </p:sp>
           </mc:Fallback>
         </mc:AlternateContent>
-        <mc:AlternateContent xmlns:mc="http://schemas.openxmlformats.org/markup-compatibility/2006">
-          <mc:Choice xmlns:a14="http://schemas.microsoft.com/office/drawing/2010/main" xmlns="" Requires="a14">
+        <mc:AlternateContent xmlns:mc="http://schemas.openxmlformats.org/markup-compatibility/2006" xmlns:a14="http://schemas.microsoft.com/office/drawing/2010/main">
+          <mc:Choice Requires="a14">
             <p:sp>
               <p:nvSpPr>
                 <p:cNvPr id="38" name="TextBox 37"/>
@@ -18269,7 +18191,7 @@
               </p:txBody>
             </p:sp>
           </mc:Choice>
-          <mc:Fallback>
+          <mc:Fallback xmlns="">
             <p:sp>
               <p:nvSpPr>
                 <p:cNvPr id="38" name="TextBox 37"/>
@@ -18613,8 +18535,8 @@
           </a:p>
         </p:txBody>
       </p:sp>
-      <mc:AlternateContent xmlns:mc="http://schemas.openxmlformats.org/markup-compatibility/2006">
-        <mc:Choice xmlns:a14="http://schemas.microsoft.com/office/drawing/2010/main" xmlns="" Requires="a14">
+      <mc:AlternateContent xmlns:mc="http://schemas.openxmlformats.org/markup-compatibility/2006" xmlns:a14="http://schemas.microsoft.com/office/drawing/2010/main">
+        <mc:Choice Requires="a14">
           <p:sp>
             <p:nvSpPr>
               <p:cNvPr id="50" name="직사각형 49"/>
@@ -19143,7 +19065,7 @@
             </p:txBody>
           </p:sp>
         </mc:Choice>
-        <mc:Fallback>
+        <mc:Fallback xmlns="">
           <p:sp>
             <p:nvSpPr>
               <p:cNvPr id="50" name="직사각형 49"/>
@@ -19190,7 +19112,7 @@
     </p:spTree>
     <p:extLst>
       <p:ext uri="{BB962C8B-B14F-4D97-AF65-F5344CB8AC3E}">
-        <p14:creationId xmlns:p14="http://schemas.microsoft.com/office/powerpoint/2010/main" xmlns="" val="60360377"/>
+        <p14:creationId xmlns:p14="http://schemas.microsoft.com/office/powerpoint/2010/main" val="60360377"/>
       </p:ext>
     </p:extLst>
   </p:cSld>
@@ -20736,7 +20658,7 @@
     </p:spTree>
     <p:extLst>
       <p:ext uri="{BB962C8B-B14F-4D97-AF65-F5344CB8AC3E}">
-        <p14:creationId xmlns:p14="http://schemas.microsoft.com/office/powerpoint/2010/main" xmlns="" val="1405159564"/>
+        <p14:creationId xmlns:p14="http://schemas.microsoft.com/office/powerpoint/2010/main" val="1405159564"/>
       </p:ext>
     </p:extLst>
   </p:cSld>
@@ -22144,7 +22066,7 @@
     </p:spTree>
     <p:extLst>
       <p:ext uri="{BB962C8B-B14F-4D97-AF65-F5344CB8AC3E}">
-        <p14:creationId xmlns:p14="http://schemas.microsoft.com/office/powerpoint/2010/main" xmlns="" val="2577309580"/>
+        <p14:creationId xmlns:p14="http://schemas.microsoft.com/office/powerpoint/2010/main" val="2577309580"/>
       </p:ext>
     </p:extLst>
   </p:cSld>
@@ -23779,7 +23701,7 @@
     </p:spTree>
     <p:extLst>
       <p:ext uri="{BB962C8B-B14F-4D97-AF65-F5344CB8AC3E}">
-        <p14:creationId xmlns:p14="http://schemas.microsoft.com/office/powerpoint/2010/main" xmlns="" val="1912788080"/>
+        <p14:creationId xmlns:p14="http://schemas.microsoft.com/office/powerpoint/2010/main" val="1912788080"/>
       </p:ext>
     </p:extLst>
   </p:cSld>
@@ -24106,7 +24028,7 @@
   <a:extraClrSchemeLst/>
   <a:extLst>
     <a:ext uri="{05A4C25C-085E-4340-85A3-A5531E510DB2}">
-      <thm15:themeFamily xmlns:thm15="http://schemas.microsoft.com/office/thememl/2012/main" xmlns="" name="테마1" id="{C3ED2316-A292-48A6-88C5-FB5D2734D3AB}" vid="{9DCB084A-53F9-403A-941F-70983B32F821}"/>
+      <thm15:themeFamily xmlns:thm15="http://schemas.microsoft.com/office/thememl/2012/main" name="테마1" id="{C3ED2316-A292-48A6-88C5-FB5D2734D3AB}" vid="{9DCB084A-53F9-403A-941F-70983B32F821}"/>
     </a:ext>
   </a:extLst>
 </a:theme>

--- a/com.js.ens.leveller/UI Desing 회의 내용20160804.pptx
+++ b/com.js.ens.leveller/UI Desing 회의 내용20160804.pptx
@@ -20,6 +20,8 @@
     <p:sldId id="259" r:id="rId14"/>
     <p:sldId id="270" r:id="rId15"/>
     <p:sldId id="271" r:id="rId16"/>
+    <p:sldId id="272" r:id="rId17"/>
+    <p:sldId id="273" r:id="rId18"/>
   </p:sldIdLst>
   <p:sldSz cx="9144000" cy="6858000" type="screen4x3"/>
   <p:notesSz cx="6867525" cy="9994900"/>
@@ -120,7 +122,7 @@
   </p:defaultTextStyle>
   <p:extLst>
     <p:ext uri="{EFAFB233-063F-42B5-8137-9DF3F51BA10A}">
-      <p15:sldGuideLst xmlns:p15="http://schemas.microsoft.com/office/powerpoint/2012/main">
+      <p15:sldGuideLst xmlns:p15="http://schemas.microsoft.com/office/powerpoint/2012/main" xmlns="">
         <p15:guide id="1" orient="horz" pos="2137" userDrawn="1">
           <p15:clr>
             <a:srgbClr val="A4A3A4"/>
@@ -1936,7 +1938,7 @@
           <a:blip r:embed="rId2" cstate="print">
             <a:extLst>
               <a:ext uri="{28A0092B-C50C-407E-A947-70E740481C1C}">
-                <a14:useLocalDpi xmlns:a14="http://schemas.microsoft.com/office/drawing/2010/main" val="0"/>
+                <a14:useLocalDpi xmlns:a14="http://schemas.microsoft.com/office/drawing/2010/main" xmlns="" val="0"/>
               </a:ext>
             </a:extLst>
           </a:blip>
@@ -2002,7 +2004,7 @@
     </p:spTree>
     <p:extLst>
       <p:ext uri="{BB962C8B-B14F-4D97-AF65-F5344CB8AC3E}">
-        <p14:creationId xmlns:p14="http://schemas.microsoft.com/office/powerpoint/2010/main" val="2651165963"/>
+        <p14:creationId xmlns:p14="http://schemas.microsoft.com/office/powerpoint/2010/main" xmlns="" val="2651165963"/>
       </p:ext>
     </p:extLst>
   </p:cSld>
@@ -2211,7 +2213,7 @@
           <a:blip r:embed="rId3" cstate="print">
             <a:extLst>
               <a:ext uri="{28A0092B-C50C-407E-A947-70E740481C1C}">
-                <a14:useLocalDpi xmlns:a14="http://schemas.microsoft.com/office/drawing/2010/main" val="0"/>
+                <a14:useLocalDpi xmlns:a14="http://schemas.microsoft.com/office/drawing/2010/main" xmlns="" val="0"/>
               </a:ext>
             </a:extLst>
           </a:blip>
@@ -2325,7 +2327,7 @@
     </p:spTree>
     <p:extLst>
       <p:ext uri="{BB962C8B-B14F-4D97-AF65-F5344CB8AC3E}">
-        <p14:creationId xmlns:p14="http://schemas.microsoft.com/office/powerpoint/2010/main" val="1645228382"/>
+        <p14:creationId xmlns:p14="http://schemas.microsoft.com/office/powerpoint/2010/main" xmlns="" val="1645228382"/>
       </p:ext>
     </p:extLst>
   </p:cSld>
@@ -2586,7 +2588,7 @@
           <a:blip r:embed="rId2" cstate="print">
             <a:extLst>
               <a:ext uri="{28A0092B-C50C-407E-A947-70E740481C1C}">
-                <a14:useLocalDpi xmlns:a14="http://schemas.microsoft.com/office/drawing/2010/main" val="0"/>
+                <a14:useLocalDpi xmlns:a14="http://schemas.microsoft.com/office/drawing/2010/main" xmlns="" val="0"/>
               </a:ext>
             </a:extLst>
           </a:blip>
@@ -2752,7 +2754,7 @@
     </p:spTree>
     <p:extLst>
       <p:ext uri="{BB962C8B-B14F-4D97-AF65-F5344CB8AC3E}">
-        <p14:creationId xmlns:p14="http://schemas.microsoft.com/office/powerpoint/2010/main" val="1883167788"/>
+        <p14:creationId xmlns:p14="http://schemas.microsoft.com/office/powerpoint/2010/main" xmlns="" val="1883167788"/>
       </p:ext>
     </p:extLst>
   </p:cSld>
@@ -2953,7 +2955,7 @@
     </p:spTree>
     <p:extLst>
       <p:ext uri="{BB962C8B-B14F-4D97-AF65-F5344CB8AC3E}">
-        <p14:creationId xmlns:p14="http://schemas.microsoft.com/office/powerpoint/2010/main" val="3257304213"/>
+        <p14:creationId xmlns:p14="http://schemas.microsoft.com/office/powerpoint/2010/main" xmlns="" val="3257304213"/>
       </p:ext>
     </p:extLst>
   </p:cSld>
@@ -4843,7 +4845,7 @@
     </p:spTree>
     <p:extLst>
       <p:ext uri="{BB962C8B-B14F-4D97-AF65-F5344CB8AC3E}">
-        <p14:creationId xmlns:p14="http://schemas.microsoft.com/office/powerpoint/2010/main" val="3855555480"/>
+        <p14:creationId xmlns:p14="http://schemas.microsoft.com/office/powerpoint/2010/main" xmlns="" val="3855555480"/>
       </p:ext>
     </p:extLst>
   </p:cSld>
@@ -5239,7 +5241,7 @@
     </p:spTree>
     <p:extLst>
       <p:ext uri="{BB962C8B-B14F-4D97-AF65-F5344CB8AC3E}">
-        <p14:creationId xmlns:p14="http://schemas.microsoft.com/office/powerpoint/2010/main" val="1687115274"/>
+        <p14:creationId xmlns:p14="http://schemas.microsoft.com/office/powerpoint/2010/main" xmlns="" val="1687115274"/>
       </p:ext>
     </p:extLst>
   </p:cSld>
@@ -5663,7 +5665,7 @@
     </p:spTree>
     <p:extLst>
       <p:ext uri="{BB962C8B-B14F-4D97-AF65-F5344CB8AC3E}">
-        <p14:creationId xmlns:p14="http://schemas.microsoft.com/office/powerpoint/2010/main" val="1111194780"/>
+        <p14:creationId xmlns:p14="http://schemas.microsoft.com/office/powerpoint/2010/main" xmlns="" val="1111194780"/>
       </p:ext>
     </p:extLst>
   </p:cSld>
@@ -6192,7 +6194,7 @@
           <p:nvPr>
             <p:extLst>
               <p:ext uri="{D42A27DB-BD31-4B8C-83A1-F6EECF244321}">
-                <p14:modId xmlns:p14="http://schemas.microsoft.com/office/powerpoint/2010/main" val="448402895"/>
+                <p14:modId xmlns:p14="http://schemas.microsoft.com/office/powerpoint/2010/main" xmlns="" val="448402895"/>
               </p:ext>
             </p:extLst>
           </p:nvPr>
@@ -6750,7 +6752,7 @@
     </p:spTree>
     <p:extLst>
       <p:ext uri="{BB962C8B-B14F-4D97-AF65-F5344CB8AC3E}">
-        <p14:creationId xmlns:p14="http://schemas.microsoft.com/office/powerpoint/2010/main" val="1669317170"/>
+        <p14:creationId xmlns:p14="http://schemas.microsoft.com/office/powerpoint/2010/main" xmlns="" val="1669317170"/>
       </p:ext>
     </p:extLst>
   </p:cSld>
@@ -7116,7 +7118,7 @@
           <p:nvPr>
             <p:extLst>
               <p:ext uri="{D42A27DB-BD31-4B8C-83A1-F6EECF244321}">
-                <p14:modId xmlns:p14="http://schemas.microsoft.com/office/powerpoint/2010/main" val="389659262"/>
+                <p14:modId xmlns:p14="http://schemas.microsoft.com/office/powerpoint/2010/main" xmlns="" val="389659262"/>
               </p:ext>
             </p:extLst>
           </p:nvPr>
@@ -7795,7 +7797,7 @@
     </p:spTree>
     <p:extLst>
       <p:ext uri="{BB962C8B-B14F-4D97-AF65-F5344CB8AC3E}">
-        <p14:creationId xmlns:p14="http://schemas.microsoft.com/office/powerpoint/2010/main" val="1764633134"/>
+        <p14:creationId xmlns:p14="http://schemas.microsoft.com/office/powerpoint/2010/main" xmlns="" val="1764633134"/>
       </p:ext>
     </p:extLst>
   </p:cSld>
@@ -9105,7 +9107,7 @@
     </p:spTree>
     <p:extLst>
       <p:ext uri="{BB962C8B-B14F-4D97-AF65-F5344CB8AC3E}">
-        <p14:creationId xmlns:p14="http://schemas.microsoft.com/office/powerpoint/2010/main" val="2619127201"/>
+        <p14:creationId xmlns:p14="http://schemas.microsoft.com/office/powerpoint/2010/main" xmlns="" val="2619127201"/>
       </p:ext>
     </p:extLst>
   </p:cSld>
@@ -9412,7 +9414,7 @@
           <p:nvPr/>
         </p:nvPicPr>
         <p:blipFill>
-          <a:blip r:embed="rId2"/>
+          <a:blip r:embed="rId2" cstate="print"/>
           <a:stretch>
             <a:fillRect/>
           </a:stretch>
@@ -9430,9 +9432,198 @@
     </p:spTree>
     <p:extLst>
       <p:ext uri="{BB962C8B-B14F-4D97-AF65-F5344CB8AC3E}">
-        <p14:creationId xmlns:p14="http://schemas.microsoft.com/office/powerpoint/2010/main" val="1080205829"/>
+        <p14:creationId xmlns:p14="http://schemas.microsoft.com/office/powerpoint/2010/main" xmlns="" val="1080205829"/>
       </p:ext>
     </p:extLst>
+  </p:cSld>
+  <p:clrMapOvr>
+    <a:masterClrMapping/>
+  </p:clrMapOvr>
+</p:sld>
+</file>
+
+<file path=ppt/slides/slide16.xml><?xml version="1.0" encoding="utf-8"?>
+<p:sld xmlns:a="http://schemas.openxmlformats.org/drawingml/2006/main" xmlns:r="http://schemas.openxmlformats.org/officeDocument/2006/relationships" xmlns:p="http://schemas.openxmlformats.org/presentationml/2006/main">
+  <p:cSld>
+    <p:spTree>
+      <p:nvGrpSpPr>
+        <p:cNvPr id="1" name=""/>
+        <p:cNvGrpSpPr/>
+        <p:nvPr/>
+      </p:nvGrpSpPr>
+      <p:grpSpPr>
+        <a:xfrm>
+          <a:off x="0" y="0"/>
+          <a:ext cx="0" cy="0"/>
+          <a:chOff x="0" y="0"/>
+          <a:chExt cx="0" cy="0"/>
+        </a:xfrm>
+      </p:grpSpPr>
+      <p:sp>
+        <p:nvSpPr>
+          <p:cNvPr id="2" name="텍스트 개체 틀 1"/>
+          <p:cNvSpPr>
+            <a:spLocks noGrp="1"/>
+          </p:cNvSpPr>
+          <p:nvPr>
+            <p:ph type="body" sz="half" idx="2"/>
+          </p:nvPr>
+        </p:nvSpPr>
+        <p:spPr/>
+        <p:txBody>
+          <a:bodyPr/>
+          <a:lstStyle/>
+          <a:p>
+            <a:endParaRPr lang="ko-KR" altLang="en-US" dirty="0"/>
+          </a:p>
+        </p:txBody>
+      </p:sp>
+      <p:sp>
+        <p:nvSpPr>
+          <p:cNvPr id="3" name="제목 2"/>
+          <p:cNvSpPr>
+            <a:spLocks noGrp="1"/>
+          </p:cNvSpPr>
+          <p:nvPr>
+            <p:ph type="title"/>
+          </p:nvPr>
+        </p:nvSpPr>
+        <p:spPr/>
+        <p:txBody>
+          <a:bodyPr/>
+          <a:lstStyle/>
+          <a:p>
+            <a:endParaRPr lang="ko-KR" altLang="en-US"/>
+          </a:p>
+        </p:txBody>
+      </p:sp>
+      <p:pic>
+        <p:nvPicPr>
+          <p:cNvPr id="1026" name="Picture 2"/>
+          <p:cNvPicPr>
+            <a:picLocks noChangeAspect="1" noChangeArrowheads="1"/>
+          </p:cNvPicPr>
+          <p:nvPr/>
+        </p:nvPicPr>
+        <p:blipFill>
+          <a:blip r:embed="rId2" cstate="print"/>
+          <a:srcRect/>
+          <a:stretch>
+            <a:fillRect/>
+          </a:stretch>
+        </p:blipFill>
+        <p:spPr bwMode="auto">
+          <a:xfrm>
+            <a:off x="874986" y="804041"/>
+            <a:ext cx="7677817" cy="5160744"/>
+          </a:xfrm>
+          <a:prstGeom prst="rect">
+            <a:avLst/>
+          </a:prstGeom>
+          <a:noFill/>
+          <a:ln w="9525">
+            <a:noFill/>
+            <a:miter lim="800000"/>
+            <a:headEnd/>
+            <a:tailEnd/>
+          </a:ln>
+        </p:spPr>
+      </p:pic>
+    </p:spTree>
+  </p:cSld>
+  <p:clrMapOvr>
+    <a:masterClrMapping/>
+  </p:clrMapOvr>
+</p:sld>
+</file>
+
+<file path=ppt/slides/slide17.xml><?xml version="1.0" encoding="utf-8"?>
+<p:sld xmlns:a="http://schemas.openxmlformats.org/drawingml/2006/main" xmlns:r="http://schemas.openxmlformats.org/officeDocument/2006/relationships" xmlns:p="http://schemas.openxmlformats.org/presentationml/2006/main">
+  <p:cSld>
+    <p:spTree>
+      <p:nvGrpSpPr>
+        <p:cNvPr id="1" name=""/>
+        <p:cNvGrpSpPr/>
+        <p:nvPr/>
+      </p:nvGrpSpPr>
+      <p:grpSpPr>
+        <a:xfrm>
+          <a:off x="0" y="0"/>
+          <a:ext cx="0" cy="0"/>
+          <a:chOff x="0" y="0"/>
+          <a:chExt cx="0" cy="0"/>
+        </a:xfrm>
+      </p:grpSpPr>
+      <p:sp>
+        <p:nvSpPr>
+          <p:cNvPr id="2" name="텍스트 개체 틀 1"/>
+          <p:cNvSpPr>
+            <a:spLocks noGrp="1"/>
+          </p:cNvSpPr>
+          <p:nvPr>
+            <p:ph type="body" sz="half" idx="2"/>
+          </p:nvPr>
+        </p:nvSpPr>
+        <p:spPr/>
+        <p:txBody>
+          <a:bodyPr/>
+          <a:lstStyle/>
+          <a:p>
+            <a:r>
+              <a:rPr lang="en-US" altLang="ko-KR" dirty="0" smtClean="0"/>
+              <a:t>Proc </a:t>
+            </a:r>
+            <a:r>
+              <a:rPr lang="ko-KR" altLang="en-US" dirty="0" smtClean="0"/>
+              <a:t>에서</a:t>
+            </a:r>
+            <a:r>
+              <a:rPr lang="en-US" altLang="ko-KR" dirty="0" smtClean="0"/>
+              <a:t> </a:t>
+            </a:r>
+            <a:r>
+              <a:rPr lang="en-US" altLang="ko-KR" dirty="0" err="1" smtClean="0"/>
+              <a:t>Lmain</a:t>
+            </a:r>
+            <a:r>
+              <a:rPr lang="en-US" altLang="ko-KR" dirty="0" smtClean="0"/>
+              <a:t> </a:t>
+            </a:r>
+            <a:r>
+              <a:rPr lang="ko-KR" altLang="en-US" dirty="0" smtClean="0"/>
+              <a:t>에서 값 가져오기 </a:t>
+            </a:r>
+            <a:endParaRPr lang="en-US" altLang="ko-KR" dirty="0" smtClean="0"/>
+          </a:p>
+          <a:p>
+            <a:r>
+              <a:rPr lang="en-US" altLang="ko-KR" dirty="0" smtClean="0"/>
+              <a:t>Ex) Lmain.getWitdth_2D();</a:t>
+            </a:r>
+            <a:endParaRPr lang="ko-KR" altLang="en-US" dirty="0"/>
+          </a:p>
+        </p:txBody>
+      </p:sp>
+      <p:sp>
+        <p:nvSpPr>
+          <p:cNvPr id="3" name="제목 2"/>
+          <p:cNvSpPr>
+            <a:spLocks noGrp="1"/>
+          </p:cNvSpPr>
+          <p:nvPr>
+            <p:ph type="title"/>
+          </p:nvPr>
+        </p:nvSpPr>
+        <p:spPr/>
+        <p:txBody>
+          <a:bodyPr/>
+          <a:lstStyle/>
+          <a:p>
+            <a:endParaRPr lang="ko-KR" altLang="en-US" dirty="0"/>
+          </a:p>
+        </p:txBody>
+      </p:sp>
+    </p:spTree>
   </p:cSld>
   <p:clrMapOvr>
     <a:masterClrMapping/>
@@ -10007,7 +10198,7 @@
     </p:spTree>
     <p:extLst>
       <p:ext uri="{BB962C8B-B14F-4D97-AF65-F5344CB8AC3E}">
-        <p14:creationId xmlns:p14="http://schemas.microsoft.com/office/powerpoint/2010/main" val="4225468947"/>
+        <p14:creationId xmlns:p14="http://schemas.microsoft.com/office/powerpoint/2010/main" xmlns="" val="4225468947"/>
       </p:ext>
     </p:extLst>
   </p:cSld>
@@ -11525,7 +11716,7 @@
     </p:spTree>
     <p:extLst>
       <p:ext uri="{BB962C8B-B14F-4D97-AF65-F5344CB8AC3E}">
-        <p14:creationId xmlns:p14="http://schemas.microsoft.com/office/powerpoint/2010/main" val="1952407567"/>
+        <p14:creationId xmlns:p14="http://schemas.microsoft.com/office/powerpoint/2010/main" xmlns="" val="1952407567"/>
       </p:ext>
     </p:extLst>
   </p:cSld>
@@ -13044,7 +13235,7 @@
     </p:spTree>
     <p:extLst>
       <p:ext uri="{BB962C8B-B14F-4D97-AF65-F5344CB8AC3E}">
-        <p14:creationId xmlns:p14="http://schemas.microsoft.com/office/powerpoint/2010/main" val="2453992389"/>
+        <p14:creationId xmlns:p14="http://schemas.microsoft.com/office/powerpoint/2010/main" xmlns="" val="2453992389"/>
       </p:ext>
     </p:extLst>
   </p:cSld>
@@ -15155,7 +15346,7 @@
     </p:spTree>
     <p:extLst>
       <p:ext uri="{BB962C8B-B14F-4D97-AF65-F5344CB8AC3E}">
-        <p14:creationId xmlns:p14="http://schemas.microsoft.com/office/powerpoint/2010/main" val="2877493960"/>
+        <p14:creationId xmlns:p14="http://schemas.microsoft.com/office/powerpoint/2010/main" xmlns="" val="2877493960"/>
       </p:ext>
     </p:extLst>
   </p:cSld>
@@ -15182,8 +15373,8 @@
           <a:chExt cx="0" cy="0"/>
         </a:xfrm>
       </p:grpSpPr>
-      <mc:AlternateContent xmlns:mc="http://schemas.openxmlformats.org/markup-compatibility/2006" xmlns:a14="http://schemas.microsoft.com/office/drawing/2010/main">
-        <mc:Choice Requires="a14">
+      <mc:AlternateContent xmlns:mc="http://schemas.openxmlformats.org/markup-compatibility/2006">
+        <mc:Choice xmlns:a14="http://schemas.microsoft.com/office/drawing/2010/main" xmlns="" Requires="a14">
           <p:sp>
             <p:nvSpPr>
               <p:cNvPr id="47" name="텍스트 개체 틀 46"/>
@@ -16153,7 +16344,7 @@
             </p:txBody>
           </p:sp>
         </mc:Choice>
-        <mc:Fallback xmlns="">
+        <mc:Fallback>
           <p:sp>
             <p:nvSpPr>
               <p:cNvPr id="47" name="텍스트 개체 틀 46"/>
@@ -16718,8 +16909,8 @@
             </a:fontRef>
           </p:style>
         </p:cxnSp>
-        <mc:AlternateContent xmlns:mc="http://schemas.openxmlformats.org/markup-compatibility/2006" xmlns:a14="http://schemas.microsoft.com/office/drawing/2010/main">
-          <mc:Choice Requires="a14">
+        <mc:AlternateContent xmlns:mc="http://schemas.openxmlformats.org/markup-compatibility/2006">
+          <mc:Choice xmlns:a14="http://schemas.microsoft.com/office/drawing/2010/main" xmlns="" Requires="a14">
             <p:sp>
               <p:nvSpPr>
                 <p:cNvPr id="16" name="TextBox 15"/>
@@ -16788,7 +16979,7 @@
               </p:txBody>
             </p:sp>
           </mc:Choice>
-          <mc:Fallback xmlns="">
+          <mc:Fallback>
             <p:sp>
               <p:nvSpPr>
                 <p:cNvPr id="16" name="TextBox 15"/>
@@ -16864,8 +17055,8 @@
             </a:fontRef>
           </p:style>
         </p:cxnSp>
-        <mc:AlternateContent xmlns:mc="http://schemas.openxmlformats.org/markup-compatibility/2006" xmlns:a14="http://schemas.microsoft.com/office/drawing/2010/main">
-          <mc:Choice Requires="a14">
+        <mc:AlternateContent xmlns:mc="http://schemas.openxmlformats.org/markup-compatibility/2006">
+          <mc:Choice xmlns:a14="http://schemas.microsoft.com/office/drawing/2010/main" xmlns="" Requires="a14">
             <p:sp>
               <p:nvSpPr>
                 <p:cNvPr id="18" name="TextBox 17"/>
@@ -16934,7 +17125,7 @@
               </p:txBody>
             </p:sp>
           </mc:Choice>
-          <mc:Fallback xmlns="">
+          <mc:Fallback>
             <p:sp>
               <p:nvSpPr>
                 <p:cNvPr id="18" name="TextBox 17"/>
@@ -16973,8 +17164,8 @@
             </p:sp>
           </mc:Fallback>
         </mc:AlternateContent>
-        <mc:AlternateContent xmlns:mc="http://schemas.openxmlformats.org/markup-compatibility/2006" xmlns:a14="http://schemas.microsoft.com/office/drawing/2010/main">
-          <mc:Choice Requires="a14">
+        <mc:AlternateContent xmlns:mc="http://schemas.openxmlformats.org/markup-compatibility/2006">
+          <mc:Choice xmlns:a14="http://schemas.microsoft.com/office/drawing/2010/main" xmlns="" Requires="a14">
             <p:sp>
               <p:nvSpPr>
                 <p:cNvPr id="21" name="TextBox 20"/>
@@ -17043,7 +17234,7 @@
               </p:txBody>
             </p:sp>
           </mc:Choice>
-          <mc:Fallback xmlns="">
+          <mc:Fallback>
             <p:sp>
               <p:nvSpPr>
                 <p:cNvPr id="21" name="TextBox 20"/>
@@ -17082,8 +17273,8 @@
             </p:sp>
           </mc:Fallback>
         </mc:AlternateContent>
-        <mc:AlternateContent xmlns:mc="http://schemas.openxmlformats.org/markup-compatibility/2006" xmlns:a14="http://schemas.microsoft.com/office/drawing/2010/main">
-          <mc:Choice Requires="a14">
+        <mc:AlternateContent xmlns:mc="http://schemas.openxmlformats.org/markup-compatibility/2006">
+          <mc:Choice xmlns:a14="http://schemas.microsoft.com/office/drawing/2010/main" xmlns="" Requires="a14">
             <p:sp>
               <p:nvSpPr>
                 <p:cNvPr id="22" name="TextBox 21"/>
@@ -17152,7 +17343,7 @@
               </p:txBody>
             </p:sp>
           </mc:Choice>
-          <mc:Fallback xmlns="">
+          <mc:Fallback>
             <p:sp>
               <p:nvSpPr>
                 <p:cNvPr id="22" name="TextBox 21"/>
@@ -17191,8 +17382,8 @@
             </p:sp>
           </mc:Fallback>
         </mc:AlternateContent>
-        <mc:AlternateContent xmlns:mc="http://schemas.openxmlformats.org/markup-compatibility/2006" xmlns:a14="http://schemas.microsoft.com/office/drawing/2010/main">
-          <mc:Choice Requires="a14">
+        <mc:AlternateContent xmlns:mc="http://schemas.openxmlformats.org/markup-compatibility/2006">
+          <mc:Choice xmlns:a14="http://schemas.microsoft.com/office/drawing/2010/main" xmlns="" Requires="a14">
             <p:sp>
               <p:nvSpPr>
                 <p:cNvPr id="23" name="TextBox 22"/>
@@ -17261,7 +17452,7 @@
               </p:txBody>
             </p:sp>
           </mc:Choice>
-          <mc:Fallback xmlns="">
+          <mc:Fallback>
             <p:sp>
               <p:nvSpPr>
                 <p:cNvPr id="23" name="TextBox 22"/>
@@ -17300,8 +17491,8 @@
             </p:sp>
           </mc:Fallback>
         </mc:AlternateContent>
-        <mc:AlternateContent xmlns:mc="http://schemas.openxmlformats.org/markup-compatibility/2006" xmlns:a14="http://schemas.microsoft.com/office/drawing/2010/main">
-          <mc:Choice Requires="a14">
+        <mc:AlternateContent xmlns:mc="http://schemas.openxmlformats.org/markup-compatibility/2006">
+          <mc:Choice xmlns:a14="http://schemas.microsoft.com/office/drawing/2010/main" xmlns="" Requires="a14">
             <p:sp>
               <p:nvSpPr>
                 <p:cNvPr id="24" name="TextBox 23"/>
@@ -17377,7 +17568,7 @@
               </p:txBody>
             </p:sp>
           </mc:Choice>
-          <mc:Fallback xmlns="">
+          <mc:Fallback>
             <p:sp>
               <p:nvSpPr>
                 <p:cNvPr id="24" name="TextBox 23"/>
@@ -17416,8 +17607,8 @@
             </p:sp>
           </mc:Fallback>
         </mc:AlternateContent>
-        <mc:AlternateContent xmlns:mc="http://schemas.openxmlformats.org/markup-compatibility/2006" xmlns:a14="http://schemas.microsoft.com/office/drawing/2010/main">
-          <mc:Choice Requires="a14">
+        <mc:AlternateContent xmlns:mc="http://schemas.openxmlformats.org/markup-compatibility/2006">
+          <mc:Choice xmlns:a14="http://schemas.microsoft.com/office/drawing/2010/main" xmlns="" Requires="a14">
             <p:sp>
               <p:nvSpPr>
                 <p:cNvPr id="25" name="TextBox 24"/>
@@ -17493,7 +17684,7 @@
               </p:txBody>
             </p:sp>
           </mc:Choice>
-          <mc:Fallback xmlns="">
+          <mc:Fallback>
             <p:sp>
               <p:nvSpPr>
                 <p:cNvPr id="25" name="TextBox 24"/>
@@ -17532,8 +17723,8 @@
             </p:sp>
           </mc:Fallback>
         </mc:AlternateContent>
-        <mc:AlternateContent xmlns:mc="http://schemas.openxmlformats.org/markup-compatibility/2006" xmlns:a14="http://schemas.microsoft.com/office/drawing/2010/main">
-          <mc:Choice Requires="a14">
+        <mc:AlternateContent xmlns:mc="http://schemas.openxmlformats.org/markup-compatibility/2006">
+          <mc:Choice xmlns:a14="http://schemas.microsoft.com/office/drawing/2010/main" xmlns="" Requires="a14">
             <p:sp>
               <p:nvSpPr>
                 <p:cNvPr id="26" name="TextBox 25"/>
@@ -17609,7 +17800,7 @@
               </p:txBody>
             </p:sp>
           </mc:Choice>
-          <mc:Fallback xmlns="">
+          <mc:Fallback>
             <p:sp>
               <p:nvSpPr>
                 <p:cNvPr id="26" name="TextBox 25"/>
@@ -17648,8 +17839,8 @@
             </p:sp>
           </mc:Fallback>
         </mc:AlternateContent>
-        <mc:AlternateContent xmlns:mc="http://schemas.openxmlformats.org/markup-compatibility/2006" xmlns:a14="http://schemas.microsoft.com/office/drawing/2010/main">
-          <mc:Choice Requires="a14">
+        <mc:AlternateContent xmlns:mc="http://schemas.openxmlformats.org/markup-compatibility/2006">
+          <mc:Choice xmlns:a14="http://schemas.microsoft.com/office/drawing/2010/main" xmlns="" Requires="a14">
             <p:sp>
               <p:nvSpPr>
                 <p:cNvPr id="27" name="TextBox 26"/>
@@ -17725,7 +17916,7 @@
               </p:txBody>
             </p:sp>
           </mc:Choice>
-          <mc:Fallback xmlns="">
+          <mc:Fallback>
             <p:sp>
               <p:nvSpPr>
                 <p:cNvPr id="27" name="TextBox 26"/>
@@ -17853,8 +18044,8 @@
             </a:fontRef>
           </p:style>
         </p:cxnSp>
-        <mc:AlternateContent xmlns:mc="http://schemas.openxmlformats.org/markup-compatibility/2006" xmlns:a14="http://schemas.microsoft.com/office/drawing/2010/main">
-          <mc:Choice Requires="a14">
+        <mc:AlternateContent xmlns:mc="http://schemas.openxmlformats.org/markup-compatibility/2006">
+          <mc:Choice xmlns:a14="http://schemas.microsoft.com/office/drawing/2010/main" xmlns="" Requires="a14">
             <p:sp>
               <p:nvSpPr>
                 <p:cNvPr id="34" name="TextBox 33"/>
@@ -17923,7 +18114,7 @@
               </p:txBody>
             </p:sp>
           </mc:Choice>
-          <mc:Fallback xmlns="">
+          <mc:Fallback>
             <p:sp>
               <p:nvSpPr>
                 <p:cNvPr id="34" name="TextBox 33"/>
@@ -17998,8 +18189,8 @@
             </a:p>
           </p:txBody>
         </p:sp>
-        <mc:AlternateContent xmlns:mc="http://schemas.openxmlformats.org/markup-compatibility/2006" xmlns:a14="http://schemas.microsoft.com/office/drawing/2010/main">
-          <mc:Choice Requires="a14">
+        <mc:AlternateContent xmlns:mc="http://schemas.openxmlformats.org/markup-compatibility/2006">
+          <mc:Choice xmlns:a14="http://schemas.microsoft.com/office/drawing/2010/main" xmlns="" Requires="a14">
             <p:sp>
               <p:nvSpPr>
                 <p:cNvPr id="37" name="TextBox 36"/>
@@ -18075,7 +18266,7 @@
               </p:txBody>
             </p:sp>
           </mc:Choice>
-          <mc:Fallback xmlns="">
+          <mc:Fallback>
             <p:sp>
               <p:nvSpPr>
                 <p:cNvPr id="37" name="TextBox 36"/>
@@ -18114,8 +18305,8 @@
             </p:sp>
           </mc:Fallback>
         </mc:AlternateContent>
-        <mc:AlternateContent xmlns:mc="http://schemas.openxmlformats.org/markup-compatibility/2006" xmlns:a14="http://schemas.microsoft.com/office/drawing/2010/main">
-          <mc:Choice Requires="a14">
+        <mc:AlternateContent xmlns:mc="http://schemas.openxmlformats.org/markup-compatibility/2006">
+          <mc:Choice xmlns:a14="http://schemas.microsoft.com/office/drawing/2010/main" xmlns="" Requires="a14">
             <p:sp>
               <p:nvSpPr>
                 <p:cNvPr id="38" name="TextBox 37"/>
@@ -18191,7 +18382,7 @@
               </p:txBody>
             </p:sp>
           </mc:Choice>
-          <mc:Fallback xmlns="">
+          <mc:Fallback>
             <p:sp>
               <p:nvSpPr>
                 <p:cNvPr id="38" name="TextBox 37"/>
@@ -18535,8 +18726,8 @@
           </a:p>
         </p:txBody>
       </p:sp>
-      <mc:AlternateContent xmlns:mc="http://schemas.openxmlformats.org/markup-compatibility/2006" xmlns:a14="http://schemas.microsoft.com/office/drawing/2010/main">
-        <mc:Choice Requires="a14">
+      <mc:AlternateContent xmlns:mc="http://schemas.openxmlformats.org/markup-compatibility/2006">
+        <mc:Choice xmlns:a14="http://schemas.microsoft.com/office/drawing/2010/main" xmlns="" Requires="a14">
           <p:sp>
             <p:nvSpPr>
               <p:cNvPr id="50" name="직사각형 49"/>
@@ -19065,7 +19256,7 @@
             </p:txBody>
           </p:sp>
         </mc:Choice>
-        <mc:Fallback xmlns="">
+        <mc:Fallback>
           <p:sp>
             <p:nvSpPr>
               <p:cNvPr id="50" name="직사각형 49"/>
@@ -19112,7 +19303,7 @@
     </p:spTree>
     <p:extLst>
       <p:ext uri="{BB962C8B-B14F-4D97-AF65-F5344CB8AC3E}">
-        <p14:creationId xmlns:p14="http://schemas.microsoft.com/office/powerpoint/2010/main" val="60360377"/>
+        <p14:creationId xmlns:p14="http://schemas.microsoft.com/office/powerpoint/2010/main" xmlns="" val="60360377"/>
       </p:ext>
     </p:extLst>
   </p:cSld>
@@ -20658,7 +20849,7 @@
     </p:spTree>
     <p:extLst>
       <p:ext uri="{BB962C8B-B14F-4D97-AF65-F5344CB8AC3E}">
-        <p14:creationId xmlns:p14="http://schemas.microsoft.com/office/powerpoint/2010/main" val="1405159564"/>
+        <p14:creationId xmlns:p14="http://schemas.microsoft.com/office/powerpoint/2010/main" xmlns="" val="1405159564"/>
       </p:ext>
     </p:extLst>
   </p:cSld>
@@ -22066,7 +22257,7 @@
     </p:spTree>
     <p:extLst>
       <p:ext uri="{BB962C8B-B14F-4D97-AF65-F5344CB8AC3E}">
-        <p14:creationId xmlns:p14="http://schemas.microsoft.com/office/powerpoint/2010/main" val="2577309580"/>
+        <p14:creationId xmlns:p14="http://schemas.microsoft.com/office/powerpoint/2010/main" xmlns="" val="2577309580"/>
       </p:ext>
     </p:extLst>
   </p:cSld>
@@ -23701,7 +23892,7 @@
     </p:spTree>
     <p:extLst>
       <p:ext uri="{BB962C8B-B14F-4D97-AF65-F5344CB8AC3E}">
-        <p14:creationId xmlns:p14="http://schemas.microsoft.com/office/powerpoint/2010/main" val="1912788080"/>
+        <p14:creationId xmlns:p14="http://schemas.microsoft.com/office/powerpoint/2010/main" xmlns="" val="1912788080"/>
       </p:ext>
     </p:extLst>
   </p:cSld>
@@ -24028,7 +24219,7 @@
   <a:extraClrSchemeLst/>
   <a:extLst>
     <a:ext uri="{05A4C25C-085E-4340-85A3-A5531E510DB2}">
-      <thm15:themeFamily xmlns:thm15="http://schemas.microsoft.com/office/thememl/2012/main" name="테마1" id="{C3ED2316-A292-48A6-88C5-FB5D2734D3AB}" vid="{9DCB084A-53F9-403A-941F-70983B32F821}"/>
+      <thm15:themeFamily xmlns:thm15="http://schemas.microsoft.com/office/thememl/2012/main" xmlns="" name="테마1" id="{C3ED2316-A292-48A6-88C5-FB5D2734D3AB}" vid="{9DCB084A-53F9-403A-941F-70983B32F821}"/>
     </a:ext>
   </a:extLst>
 </a:theme>
